--- a/презентация.pptx
+++ b/презентация.pptx
@@ -417,7 +417,7 @@
           <a:p>
             <a:fld id="{CD68B086-6225-4854-8595-245ADE96378D}" type="datetimeFigureOut">
               <a:rPr lang="ru-RU" smtClean="0"/>
-              <a:t>20.01.2022</a:t>
+              <a:t>21.01.2022</a:t>
             </a:fld>
             <a:endParaRPr lang="ru-RU"/>
           </a:p>
@@ -735,7 +735,7 @@
           <a:p>
             <a:fld id="{CD68B086-6225-4854-8595-245ADE96378D}" type="datetimeFigureOut">
               <a:rPr lang="ru-RU" smtClean="0"/>
-              <a:t>20.01.2022</a:t>
+              <a:t>21.01.2022</a:t>
             </a:fld>
             <a:endParaRPr lang="ru-RU"/>
           </a:p>
@@ -1223,7 +1223,7 @@
           <a:p>
             <a:fld id="{CD68B086-6225-4854-8595-245ADE96378D}" type="datetimeFigureOut">
               <a:rPr lang="ru-RU" smtClean="0"/>
-              <a:t>20.01.2022</a:t>
+              <a:t>21.01.2022</a:t>
             </a:fld>
             <a:endParaRPr lang="ru-RU"/>
           </a:p>
@@ -1592,7 +1592,7 @@
           <a:p>
             <a:fld id="{CD68B086-6225-4854-8595-245ADE96378D}" type="datetimeFigureOut">
               <a:rPr lang="ru-RU" smtClean="0"/>
-              <a:t>20.01.2022</a:t>
+              <a:t>21.01.2022</a:t>
             </a:fld>
             <a:endParaRPr lang="ru-RU"/>
           </a:p>
@@ -1865,7 +1865,7 @@
           <a:p>
             <a:fld id="{CD68B086-6225-4854-8595-245ADE96378D}" type="datetimeFigureOut">
               <a:rPr lang="ru-RU" smtClean="0"/>
-              <a:t>20.01.2022</a:t>
+              <a:t>21.01.2022</a:t>
             </a:fld>
             <a:endParaRPr lang="ru-RU"/>
           </a:p>
@@ -2191,7 +2191,7 @@
           <a:p>
             <a:fld id="{CD68B086-6225-4854-8595-245ADE96378D}" type="datetimeFigureOut">
               <a:rPr lang="ru-RU" smtClean="0"/>
-              <a:t>20.01.2022</a:t>
+              <a:t>21.01.2022</a:t>
             </a:fld>
             <a:endParaRPr lang="ru-RU"/>
           </a:p>
@@ -2469,7 +2469,7 @@
           <a:p>
             <a:fld id="{CD68B086-6225-4854-8595-245ADE96378D}" type="datetimeFigureOut">
               <a:rPr lang="ru-RU" smtClean="0"/>
-              <a:t>20.01.2022</a:t>
+              <a:t>21.01.2022</a:t>
             </a:fld>
             <a:endParaRPr lang="ru-RU"/>
           </a:p>
@@ -2812,7 +2812,7 @@
           <a:p>
             <a:fld id="{CD68B086-6225-4854-8595-245ADE96378D}" type="datetimeFigureOut">
               <a:rPr lang="ru-RU" smtClean="0"/>
-              <a:t>20.01.2022</a:t>
+              <a:t>21.01.2022</a:t>
             </a:fld>
             <a:endParaRPr lang="ru-RU"/>
           </a:p>
@@ -3151,7 +3151,7 @@
           <a:p>
             <a:fld id="{CD68B086-6225-4854-8595-245ADE96378D}" type="datetimeFigureOut">
               <a:rPr lang="ru-RU" smtClean="0"/>
-              <a:t>20.01.2022</a:t>
+              <a:t>21.01.2022</a:t>
             </a:fld>
             <a:endParaRPr lang="ru-RU"/>
           </a:p>
@@ -3628,7 +3628,7 @@
           <a:p>
             <a:fld id="{CD68B086-6225-4854-8595-245ADE96378D}" type="datetimeFigureOut">
               <a:rPr lang="ru-RU" smtClean="0"/>
-              <a:t>20.01.2022</a:t>
+              <a:t>21.01.2022</a:t>
             </a:fld>
             <a:endParaRPr lang="ru-RU"/>
           </a:p>
@@ -3849,7 +3849,7 @@
           <a:p>
             <a:fld id="{CD68B086-6225-4854-8595-245ADE96378D}" type="datetimeFigureOut">
               <a:rPr lang="ru-RU" smtClean="0"/>
-              <a:t>20.01.2022</a:t>
+              <a:t>21.01.2022</a:t>
             </a:fld>
             <a:endParaRPr lang="ru-RU"/>
           </a:p>
@@ -3944,7 +3944,7 @@
           <a:p>
             <a:fld id="{CD68B086-6225-4854-8595-245ADE96378D}" type="datetimeFigureOut">
               <a:rPr lang="ru-RU" smtClean="0"/>
-              <a:t>20.01.2022</a:t>
+              <a:t>21.01.2022</a:t>
             </a:fld>
             <a:endParaRPr lang="ru-RU"/>
           </a:p>
@@ -4411,7 +4411,7 @@
           <a:p>
             <a:fld id="{CD68B086-6225-4854-8595-245ADE96378D}" type="datetimeFigureOut">
               <a:rPr lang="ru-RU" smtClean="0"/>
-              <a:t>20.01.2022</a:t>
+              <a:t>21.01.2022</a:t>
             </a:fld>
             <a:endParaRPr lang="ru-RU"/>
           </a:p>
@@ -4724,7 +4724,7 @@
           <a:p>
             <a:fld id="{CD68B086-6225-4854-8595-245ADE96378D}" type="datetimeFigureOut">
               <a:rPr lang="ru-RU" smtClean="0"/>
-              <a:t>20.01.2022</a:t>
+              <a:t>21.01.2022</a:t>
             </a:fld>
             <a:endParaRPr lang="ru-RU"/>
           </a:p>
@@ -4994,7 +4994,7 @@
           <a:p>
             <a:fld id="{CD68B086-6225-4854-8595-245ADE96378D}" type="datetimeFigureOut">
               <a:rPr lang="ru-RU" smtClean="0"/>
-              <a:t>20.01.2022</a:t>
+              <a:t>21.01.2022</a:t>
             </a:fld>
             <a:endParaRPr lang="ru-RU"/>
           </a:p>
@@ -5491,13 +5491,13 @@
         </p:spPr>
         <p:txBody>
           <a:bodyPr>
-            <a:normAutofit/>
+            <a:noAutofit/>
           </a:bodyPr>
           <a:lstStyle/>
           <a:p>
             <a:pPr algn="r"/>
             <a:r>
-              <a:rPr lang="ru-RU" b="1" dirty="0">
+              <a:rPr lang="ru-RU" sz="2000" b="1" dirty="0">
                 <a:solidFill>
                   <a:schemeClr val="tx1"/>
                 </a:solidFill>
@@ -5508,7 +5508,7 @@
           <a:p>
             <a:pPr algn="r"/>
             <a:r>
-              <a:rPr lang="ru-RU" dirty="0">
+              <a:rPr lang="ru-RU" sz="2000" dirty="0">
                 <a:solidFill>
                   <a:schemeClr val="tx1"/>
                 </a:solidFill>
@@ -5519,7 +5519,7 @@
           <a:p>
             <a:pPr algn="r"/>
             <a:r>
-              <a:rPr lang="ru-RU" dirty="0">
+              <a:rPr lang="ru-RU" sz="2000" dirty="0">
                 <a:solidFill>
                   <a:schemeClr val="tx1"/>
                 </a:solidFill>
@@ -5530,7 +5530,7 @@
           <a:p>
             <a:pPr algn="r"/>
             <a:r>
-              <a:rPr lang="ru-RU" b="1" dirty="0">
+              <a:rPr lang="ru-RU" sz="2000" b="1" dirty="0">
                 <a:solidFill>
                   <a:schemeClr val="tx1"/>
                 </a:solidFill>
@@ -5541,7 +5541,7 @@
           <a:p>
             <a:pPr algn="r"/>
             <a:r>
-              <a:rPr lang="ru-RU" dirty="0">
+              <a:rPr lang="ru-RU" sz="2000" dirty="0">
                 <a:solidFill>
                   <a:schemeClr val="tx1"/>
                 </a:solidFill>
@@ -5552,7 +5552,7 @@
           <a:p>
             <a:pPr algn="r"/>
             <a:r>
-              <a:rPr lang="ru-RU" dirty="0">
+              <a:rPr lang="ru-RU" sz="2000" dirty="0">
                 <a:solidFill>
                   <a:schemeClr val="tx1"/>
                 </a:solidFill>
@@ -6126,7 +6126,7 @@
         </p:nvSpPr>
         <p:spPr>
           <a:xfrm>
-            <a:off x="458655" y="2276872"/>
+            <a:off x="612402" y="2276872"/>
             <a:ext cx="3670723" cy="576262"/>
           </a:xfrm>
         </p:spPr>
@@ -6161,7 +6161,7 @@
         </p:nvSpPr>
         <p:spPr>
           <a:xfrm>
-            <a:off x="5018917" y="2276872"/>
+            <a:off x="4997637" y="2276872"/>
             <a:ext cx="3670720" cy="576262"/>
           </a:xfrm>
         </p:spPr>

--- a/презентация.pptx
+++ b/презентация.pptx
@@ -10,9 +10,12 @@
     <p:sldId id="264" r:id="rId4"/>
     <p:sldId id="265" r:id="rId5"/>
     <p:sldId id="259" r:id="rId6"/>
-    <p:sldId id="266" r:id="rId7"/>
-    <p:sldId id="267" r:id="rId8"/>
-    <p:sldId id="262" r:id="rId9"/>
+    <p:sldId id="268" r:id="rId7"/>
+    <p:sldId id="266" r:id="rId8"/>
+    <p:sldId id="270" r:id="rId9"/>
+    <p:sldId id="271" r:id="rId10"/>
+    <p:sldId id="267" r:id="rId11"/>
+    <p:sldId id="262" r:id="rId12"/>
   </p:sldIdLst>
   <p:sldSz cx="9144000" cy="6858000" type="screen4x3"/>
   <p:notesSz cx="6858000" cy="9144000"/>
@@ -113,7 +116,7 @@
   </p:defaultTextStyle>
   <p:extLst>
     <p:ext uri="{EFAFB233-063F-42B5-8137-9DF3F51BA10A}">
-      <p15:sldGuideLst xmlns:p15="http://schemas.microsoft.com/office/powerpoint/2012/main">
+      <p15:sldGuideLst xmlns="" xmlns:p15="http://schemas.microsoft.com/office/powerpoint/2012/main">
         <p15:guide id="1" orient="horz" pos="2160">
           <p15:clr>
             <a:srgbClr val="A4A3A4"/>
@@ -417,7 +420,7 @@
           <a:p>
             <a:fld id="{CD68B086-6225-4854-8595-245ADE96378D}" type="datetimeFigureOut">
               <a:rPr lang="ru-RU" smtClean="0"/>
-              <a:t>21.01.2022</a:t>
+              <a:t>03.03.2022</a:t>
             </a:fld>
             <a:endParaRPr lang="ru-RU"/>
           </a:p>
@@ -735,7 +738,7 @@
           <a:p>
             <a:fld id="{CD68B086-6225-4854-8595-245ADE96378D}" type="datetimeFigureOut">
               <a:rPr lang="ru-RU" smtClean="0"/>
-              <a:t>21.01.2022</a:t>
+              <a:t>03.03.2022</a:t>
             </a:fld>
             <a:endParaRPr lang="ru-RU"/>
           </a:p>
@@ -1223,7 +1226,7 @@
           <a:p>
             <a:fld id="{CD68B086-6225-4854-8595-245ADE96378D}" type="datetimeFigureOut">
               <a:rPr lang="ru-RU" smtClean="0"/>
-              <a:t>21.01.2022</a:t>
+              <a:t>03.03.2022</a:t>
             </a:fld>
             <a:endParaRPr lang="ru-RU"/>
           </a:p>
@@ -1592,7 +1595,7 @@
           <a:p>
             <a:fld id="{CD68B086-6225-4854-8595-245ADE96378D}" type="datetimeFigureOut">
               <a:rPr lang="ru-RU" smtClean="0"/>
-              <a:t>21.01.2022</a:t>
+              <a:t>03.03.2022</a:t>
             </a:fld>
             <a:endParaRPr lang="ru-RU"/>
           </a:p>
@@ -1865,7 +1868,7 @@
           <a:p>
             <a:fld id="{CD68B086-6225-4854-8595-245ADE96378D}" type="datetimeFigureOut">
               <a:rPr lang="ru-RU" smtClean="0"/>
-              <a:t>21.01.2022</a:t>
+              <a:t>03.03.2022</a:t>
             </a:fld>
             <a:endParaRPr lang="ru-RU"/>
           </a:p>
@@ -2191,7 +2194,7 @@
           <a:p>
             <a:fld id="{CD68B086-6225-4854-8595-245ADE96378D}" type="datetimeFigureOut">
               <a:rPr lang="ru-RU" smtClean="0"/>
-              <a:t>21.01.2022</a:t>
+              <a:t>03.03.2022</a:t>
             </a:fld>
             <a:endParaRPr lang="ru-RU"/>
           </a:p>
@@ -2469,7 +2472,7 @@
           <a:p>
             <a:fld id="{CD68B086-6225-4854-8595-245ADE96378D}" type="datetimeFigureOut">
               <a:rPr lang="ru-RU" smtClean="0"/>
-              <a:t>21.01.2022</a:t>
+              <a:t>03.03.2022</a:t>
             </a:fld>
             <a:endParaRPr lang="ru-RU"/>
           </a:p>
@@ -2812,7 +2815,7 @@
           <a:p>
             <a:fld id="{CD68B086-6225-4854-8595-245ADE96378D}" type="datetimeFigureOut">
               <a:rPr lang="ru-RU" smtClean="0"/>
-              <a:t>21.01.2022</a:t>
+              <a:t>03.03.2022</a:t>
             </a:fld>
             <a:endParaRPr lang="ru-RU"/>
           </a:p>
@@ -3151,7 +3154,7 @@
           <a:p>
             <a:fld id="{CD68B086-6225-4854-8595-245ADE96378D}" type="datetimeFigureOut">
               <a:rPr lang="ru-RU" smtClean="0"/>
-              <a:t>21.01.2022</a:t>
+              <a:t>03.03.2022</a:t>
             </a:fld>
             <a:endParaRPr lang="ru-RU"/>
           </a:p>
@@ -3628,7 +3631,7 @@
           <a:p>
             <a:fld id="{CD68B086-6225-4854-8595-245ADE96378D}" type="datetimeFigureOut">
               <a:rPr lang="ru-RU" smtClean="0"/>
-              <a:t>21.01.2022</a:t>
+              <a:t>03.03.2022</a:t>
             </a:fld>
             <a:endParaRPr lang="ru-RU"/>
           </a:p>
@@ -3849,7 +3852,7 @@
           <a:p>
             <a:fld id="{CD68B086-6225-4854-8595-245ADE96378D}" type="datetimeFigureOut">
               <a:rPr lang="ru-RU" smtClean="0"/>
-              <a:t>21.01.2022</a:t>
+              <a:t>03.03.2022</a:t>
             </a:fld>
             <a:endParaRPr lang="ru-RU"/>
           </a:p>
@@ -3944,7 +3947,7 @@
           <a:p>
             <a:fld id="{CD68B086-6225-4854-8595-245ADE96378D}" type="datetimeFigureOut">
               <a:rPr lang="ru-RU" smtClean="0"/>
-              <a:t>21.01.2022</a:t>
+              <a:t>03.03.2022</a:t>
             </a:fld>
             <a:endParaRPr lang="ru-RU"/>
           </a:p>
@@ -4411,7 +4414,7 @@
           <a:p>
             <a:fld id="{CD68B086-6225-4854-8595-245ADE96378D}" type="datetimeFigureOut">
               <a:rPr lang="ru-RU" smtClean="0"/>
-              <a:t>21.01.2022</a:t>
+              <a:t>03.03.2022</a:t>
             </a:fld>
             <a:endParaRPr lang="ru-RU"/>
           </a:p>
@@ -4724,7 +4727,7 @@
           <a:p>
             <a:fld id="{CD68B086-6225-4854-8595-245ADE96378D}" type="datetimeFigureOut">
               <a:rPr lang="ru-RU" smtClean="0"/>
-              <a:t>21.01.2022</a:t>
+              <a:t>03.03.2022</a:t>
             </a:fld>
             <a:endParaRPr lang="ru-RU"/>
           </a:p>
@@ -4994,7 +4997,7 @@
           <a:p>
             <a:fld id="{CD68B086-6225-4854-8595-245ADE96378D}" type="datetimeFigureOut">
               <a:rPr lang="ru-RU" smtClean="0"/>
-              <a:t>21.01.2022</a:t>
+              <a:t>03.03.2022</a:t>
             </a:fld>
             <a:endParaRPr lang="ru-RU"/>
           </a:p>
@@ -5575,6 +5578,244 @@
 </p:sld>
 </file>
 
+<file path=ppt/slides/slide10.xml><?xml version="1.0" encoding="utf-8"?>
+<p:sld xmlns:a="http://schemas.openxmlformats.org/drawingml/2006/main" xmlns:r="http://schemas.openxmlformats.org/officeDocument/2006/relationships" xmlns:p="http://schemas.openxmlformats.org/presentationml/2006/main">
+  <p:cSld>
+    <p:spTree>
+      <p:nvGrpSpPr>
+        <p:cNvPr id="1" name=""/>
+        <p:cNvGrpSpPr/>
+        <p:nvPr/>
+      </p:nvGrpSpPr>
+      <p:grpSpPr>
+        <a:xfrm>
+          <a:off x="0" y="0"/>
+          <a:ext cx="0" cy="0"/>
+          <a:chOff x="0" y="0"/>
+          <a:chExt cx="0" cy="0"/>
+        </a:xfrm>
+      </p:grpSpPr>
+      <p:sp>
+        <p:nvSpPr>
+          <p:cNvPr id="2" name="Заголовок 1"/>
+          <p:cNvSpPr>
+            <a:spLocks noGrp="1"/>
+          </p:cNvSpPr>
+          <p:nvPr>
+            <p:ph type="title"/>
+          </p:nvPr>
+        </p:nvSpPr>
+        <p:spPr/>
+        <p:txBody>
+          <a:bodyPr/>
+          <a:lstStyle/>
+          <a:p>
+            <a:r>
+              <a:rPr lang="ru-RU" dirty="0"/>
+              <a:t>Выводы</a:t>
+            </a:r>
+          </a:p>
+        </p:txBody>
+      </p:sp>
+      <p:sp>
+        <p:nvSpPr>
+          <p:cNvPr id="3" name="Объект 2"/>
+          <p:cNvSpPr>
+            <a:spLocks noGrp="1"/>
+          </p:cNvSpPr>
+          <p:nvPr>
+            <p:ph sz="half" idx="1"/>
+          </p:nvPr>
+        </p:nvSpPr>
+        <p:spPr>
+          <a:xfrm>
+            <a:off x="251520" y="2276872"/>
+            <a:ext cx="5915000" cy="4248472"/>
+          </a:xfrm>
+        </p:spPr>
+        <p:txBody>
+          <a:bodyPr>
+            <a:normAutofit/>
+          </a:bodyPr>
+          <a:lstStyle/>
+          <a:p>
+            <a:pPr marL="0" indent="0">
+              <a:buNone/>
+            </a:pPr>
+            <a:r>
+              <a:rPr lang="ru-RU" sz="2400" dirty="0"/>
+              <a:t>В результате проекта </a:t>
+            </a:r>
+            <a:r>
+              <a:rPr lang="ru-RU" sz="2400" dirty="0" smtClean="0"/>
+              <a:t>разработана и протестирована  онлайн </a:t>
+            </a:r>
+            <a:r>
+              <a:rPr lang="ru-RU" sz="2400" dirty="0"/>
+              <a:t>система «</a:t>
+            </a:r>
+            <a:r>
+              <a:rPr lang="ru-RU" sz="2400" dirty="0" err="1"/>
+              <a:t>Целевик</a:t>
+            </a:r>
+            <a:r>
+              <a:rPr lang="ru-RU" sz="2400" dirty="0"/>
+              <a:t>» (</a:t>
+            </a:r>
+            <a:r>
+              <a:rPr lang="ru-RU" sz="2400" u="sng" dirty="0">
+                <a:hlinkClick r:id="rId2"/>
+              </a:rPr>
+              <a:t>https://celevik.site/</a:t>
+            </a:r>
+            <a:r>
+              <a:rPr lang="ru-RU" sz="2400" dirty="0"/>
+              <a:t>). </a:t>
+            </a:r>
+            <a:endParaRPr lang="ru-RU" sz="2400" dirty="0" smtClean="0"/>
+          </a:p>
+          <a:p>
+            <a:pPr marL="0" indent="0">
+              <a:buNone/>
+            </a:pPr>
+            <a:r>
+              <a:rPr lang="ru-RU" sz="2400" dirty="0" smtClean="0"/>
+              <a:t>Данная </a:t>
+            </a:r>
+            <a:r>
+              <a:rPr lang="ru-RU" sz="2400" dirty="0"/>
+              <a:t>система предоставляет новые возможности как работодателям, так и абитуриентам</a:t>
+            </a:r>
+            <a:r>
+              <a:rPr lang="ru-RU" sz="2400" dirty="0" smtClean="0"/>
+              <a:t>.</a:t>
+            </a:r>
+          </a:p>
+          <a:p>
+            <a:pPr marL="0" indent="0">
+              <a:buNone/>
+            </a:pPr>
+            <a:r>
+              <a:rPr lang="ru-RU" sz="2400" dirty="0"/>
+              <a:t>Планируется дальнейшее развитие проекта в виде создание мобильного приложения «</a:t>
+            </a:r>
+            <a:r>
+              <a:rPr lang="ru-RU" sz="2400" dirty="0" err="1"/>
+              <a:t>Целевик</a:t>
+            </a:r>
+            <a:r>
+              <a:rPr lang="ru-RU" sz="2400" dirty="0" smtClean="0"/>
+              <a:t>».</a:t>
+            </a:r>
+            <a:endParaRPr lang="ru-RU" sz="2400" dirty="0"/>
+          </a:p>
+          <a:p>
+            <a:pPr marL="0" indent="0">
+              <a:buNone/>
+            </a:pPr>
+            <a:endParaRPr lang="ru-RU" sz="2400" dirty="0"/>
+          </a:p>
+        </p:txBody>
+      </p:sp>
+      <p:pic>
+        <p:nvPicPr>
+          <p:cNvPr id="5" name="Объект 4"/>
+          <p:cNvPicPr>
+            <a:picLocks noGrp="1" noChangeAspect="1"/>
+          </p:cNvPicPr>
+          <p:nvPr>
+            <p:ph sz="half" idx="2"/>
+          </p:nvPr>
+        </p:nvPicPr>
+        <p:blipFill>
+          <a:blip r:embed="rId3" cstate="print">
+            <a:extLst>
+              <a:ext uri="{28A0092B-C50C-407E-A947-70E740481C1C}">
+                <a14:useLocalDpi xmlns:a14="http://schemas.microsoft.com/office/drawing/2010/main" val="0"/>
+              </a:ext>
+            </a:extLst>
+          </a:blip>
+          <a:stretch>
+            <a:fillRect/>
+          </a:stretch>
+        </p:blipFill>
+        <p:spPr>
+          <a:xfrm>
+            <a:off x="6372200" y="2996952"/>
+            <a:ext cx="2438400" cy="2438400"/>
+          </a:xfrm>
+        </p:spPr>
+      </p:pic>
+    </p:spTree>
+    <p:extLst>
+      <p:ext uri="{BB962C8B-B14F-4D97-AF65-F5344CB8AC3E}">
+        <p14:creationId xmlns:p14="http://schemas.microsoft.com/office/powerpoint/2010/main" val="296164495"/>
+      </p:ext>
+    </p:extLst>
+  </p:cSld>
+  <p:clrMapOvr>
+    <a:masterClrMapping/>
+  </p:clrMapOvr>
+</p:sld>
+</file>
+
+<file path=ppt/slides/slide11.xml><?xml version="1.0" encoding="utf-8"?>
+<p:sld xmlns:a="http://schemas.openxmlformats.org/drawingml/2006/main" xmlns:r="http://schemas.openxmlformats.org/officeDocument/2006/relationships" xmlns:p="http://schemas.openxmlformats.org/presentationml/2006/main">
+  <p:cSld>
+    <p:spTree>
+      <p:nvGrpSpPr>
+        <p:cNvPr id="1" name=""/>
+        <p:cNvGrpSpPr/>
+        <p:nvPr/>
+      </p:nvGrpSpPr>
+      <p:grpSpPr>
+        <a:xfrm>
+          <a:off x="0" y="0"/>
+          <a:ext cx="0" cy="0"/>
+          <a:chOff x="0" y="0"/>
+          <a:chExt cx="0" cy="0"/>
+        </a:xfrm>
+      </p:grpSpPr>
+      <p:sp>
+        <p:nvSpPr>
+          <p:cNvPr id="2" name="Заголовок 1"/>
+          <p:cNvSpPr>
+            <a:spLocks noGrp="1"/>
+          </p:cNvSpPr>
+          <p:nvPr>
+            <p:ph type="ctrTitle"/>
+          </p:nvPr>
+        </p:nvSpPr>
+        <p:spPr>
+          <a:xfrm>
+            <a:off x="899592" y="1556792"/>
+            <a:ext cx="7772400" cy="1944216"/>
+          </a:xfrm>
+        </p:spPr>
+        <p:txBody>
+          <a:bodyPr/>
+          <a:lstStyle/>
+          <a:p>
+            <a:r>
+              <a:rPr lang="ru-RU" dirty="0"/>
+              <a:t>Спасибо за внимание!</a:t>
+            </a:r>
+          </a:p>
+        </p:txBody>
+      </p:sp>
+    </p:spTree>
+    <p:extLst>
+      <p:ext uri="{BB962C8B-B14F-4D97-AF65-F5344CB8AC3E}">
+        <p14:creationId xmlns:p14="http://schemas.microsoft.com/office/powerpoint/2010/main" val="327953828"/>
+      </p:ext>
+    </p:extLst>
+  </p:cSld>
+  <p:clrMapOvr>
+    <a:masterClrMapping/>
+  </p:clrMapOvr>
+</p:sld>
+</file>
+
 <file path=ppt/slides/slide2.xml><?xml version="1.0" encoding="utf-8"?>
 <p:sld xmlns:a="http://schemas.openxmlformats.org/drawingml/2006/main" xmlns:r="http://schemas.openxmlformats.org/officeDocument/2006/relationships" xmlns:p="http://schemas.openxmlformats.org/presentationml/2006/main">
   <p:cSld>
@@ -6108,144 +6349,43 @@
           <a:lstStyle/>
           <a:p>
             <a:r>
-              <a:rPr lang="ru-RU" dirty="0"/>
-              <a:t>Интерфейс проекта</a:t>
-            </a:r>
-          </a:p>
-        </p:txBody>
-      </p:sp>
-      <p:sp>
-        <p:nvSpPr>
-          <p:cNvPr id="3" name="Текст 2"/>
-          <p:cNvSpPr>
-            <a:spLocks noGrp="1"/>
-          </p:cNvSpPr>
-          <p:nvPr>
-            <p:ph type="body" idx="1"/>
-          </p:nvPr>
-        </p:nvSpPr>
-        <p:spPr>
-          <a:xfrm>
-            <a:off x="612402" y="2276872"/>
-            <a:ext cx="3670723" cy="576262"/>
-          </a:xfrm>
-        </p:spPr>
-        <p:txBody>
-          <a:bodyPr>
-            <a:normAutofit fontScale="70000" lnSpcReduction="20000"/>
-          </a:bodyPr>
-          <a:lstStyle/>
-          <a:p>
-            <a:r>
-              <a:rPr lang="ru-RU" dirty="0"/>
-              <a:t>Подсистема </a:t>
-            </a:r>
-          </a:p>
-          <a:p>
-            <a:r>
-              <a:rPr lang="ru-RU" dirty="0"/>
-              <a:t>«Профиль Соискателя»</a:t>
-            </a:r>
-          </a:p>
-        </p:txBody>
-      </p:sp>
-      <p:sp>
-        <p:nvSpPr>
-          <p:cNvPr id="5" name="Текст 4"/>
-          <p:cNvSpPr>
-            <a:spLocks noGrp="1"/>
-          </p:cNvSpPr>
-          <p:nvPr>
-            <p:ph type="body" sz="quarter" idx="3"/>
-          </p:nvPr>
-        </p:nvSpPr>
-        <p:spPr>
-          <a:xfrm>
-            <a:off x="4997637" y="2276872"/>
-            <a:ext cx="3670720" cy="576262"/>
-          </a:xfrm>
-        </p:spPr>
-        <p:txBody>
-          <a:bodyPr>
-            <a:normAutofit fontScale="70000" lnSpcReduction="20000"/>
-          </a:bodyPr>
-          <a:lstStyle/>
-          <a:p>
-            <a:r>
-              <a:rPr lang="ru-RU" dirty="0"/>
-              <a:t>Подсистема </a:t>
-            </a:r>
-          </a:p>
-          <a:p>
-            <a:r>
-              <a:rPr lang="ru-RU" dirty="0"/>
-              <a:t> «Профиль  Организации»</a:t>
-            </a:r>
-          </a:p>
-        </p:txBody>
-      </p:sp>
-      <p:pic>
-        <p:nvPicPr>
-          <p:cNvPr id="10" name="Объект 9">
-            <a:extLst>
-              <a:ext uri="{FF2B5EF4-FFF2-40B4-BE49-F238E27FC236}">
-                <a16:creationId xmlns:a16="http://schemas.microsoft.com/office/drawing/2014/main" id="{3F2F4D4C-AA17-4E5A-83B2-42A32FA6A9BF}"/>
-              </a:ext>
-            </a:extLst>
-          </p:cNvPr>
-          <p:cNvPicPr>
-            <a:picLocks noGrp="1" noChangeAspect="1"/>
-          </p:cNvPicPr>
-          <p:nvPr>
-            <p:ph sz="half" idx="2"/>
-          </p:nvPr>
-        </p:nvPicPr>
-        <p:blipFill>
-          <a:blip r:embed="rId2"/>
-          <a:stretch>
-            <a:fillRect/>
-          </a:stretch>
-        </p:blipFill>
-        <p:spPr>
-          <a:xfrm>
-            <a:off x="323528" y="2856215"/>
-            <a:ext cx="4248472" cy="3749839"/>
-          </a:xfrm>
-        </p:spPr>
-      </p:pic>
-      <p:pic>
-        <p:nvPicPr>
-          <p:cNvPr id="14" name="Объект 13">
-            <a:extLst>
-              <a:ext uri="{FF2B5EF4-FFF2-40B4-BE49-F238E27FC236}">
-                <a16:creationId xmlns:a16="http://schemas.microsoft.com/office/drawing/2014/main" id="{5884D58A-B18E-4A43-9C1B-C81CA9DC3C48}"/>
-              </a:ext>
-            </a:extLst>
-          </p:cNvPr>
-          <p:cNvPicPr>
-            <a:picLocks noGrp="1" noChangeAspect="1"/>
-          </p:cNvPicPr>
-          <p:nvPr>
-            <p:ph sz="quarter" idx="4"/>
-          </p:nvPr>
-        </p:nvPicPr>
-        <p:blipFill>
-          <a:blip r:embed="rId3"/>
-          <a:stretch>
-            <a:fillRect/>
-          </a:stretch>
-        </p:blipFill>
-        <p:spPr>
-          <a:xfrm>
-            <a:off x="4707127" y="2853133"/>
-            <a:ext cx="4251740" cy="3749839"/>
-          </a:xfrm>
-        </p:spPr>
-      </p:pic>
+              <a:rPr lang="ru-RU" sz="3600" dirty="0"/>
+              <a:t>Интерфейс </a:t>
+            </a:r>
+            <a:r>
+              <a:rPr lang="ru-RU" sz="3600" dirty="0" smtClean="0"/>
+              <a:t>проекта (Администратор)</a:t>
+            </a:r>
+            <a:endParaRPr lang="ru-RU" sz="3600" dirty="0"/>
+          </a:p>
+        </p:txBody>
+      </p:sp>
+      <p:sp>
+        <p:nvSpPr>
+          <p:cNvPr id="3" name="Объект 2"/>
+          <p:cNvSpPr>
+            <a:spLocks noGrp="1"/>
+          </p:cNvSpPr>
+          <p:nvPr>
+            <p:ph idx="1"/>
+          </p:nvPr>
+        </p:nvSpPr>
+        <p:spPr/>
+        <p:txBody>
+          <a:bodyPr/>
+          <a:lstStyle/>
+          <a:p>
+            <a:pPr marL="0" indent="0">
+              <a:buNone/>
+            </a:pPr>
+            <a:endParaRPr lang="ru-RU" dirty="0"/>
+          </a:p>
+        </p:txBody>
+      </p:sp>
     </p:spTree>
     <p:extLst>
       <p:ext uri="{BB962C8B-B14F-4D97-AF65-F5344CB8AC3E}">
-        <p14:creationId xmlns:p14="http://schemas.microsoft.com/office/powerpoint/2010/main" val="4209676221"/>
+        <p14:creationId xmlns:p14="http://schemas.microsoft.com/office/powerpoint/2010/main" val="572217641"/>
       </p:ext>
     </p:extLst>
   </p:cSld>
@@ -6289,82 +6429,123 @@
           <a:p>
             <a:r>
               <a:rPr lang="ru-RU" dirty="0"/>
-              <a:t>Выводы</a:t>
-            </a:r>
-          </a:p>
-        </p:txBody>
-      </p:sp>
-      <p:sp>
-        <p:nvSpPr>
-          <p:cNvPr id="3" name="Объект 2"/>
-          <p:cNvSpPr>
-            <a:spLocks noGrp="1"/>
-          </p:cNvSpPr>
-          <p:nvPr>
-            <p:ph sz="half" idx="1"/>
+              <a:t>Интерфейс проекта</a:t>
+            </a:r>
+          </a:p>
+        </p:txBody>
+      </p:sp>
+      <p:sp>
+        <p:nvSpPr>
+          <p:cNvPr id="3" name="Текст 2"/>
+          <p:cNvSpPr>
+            <a:spLocks noGrp="1"/>
+          </p:cNvSpPr>
+          <p:nvPr>
+            <p:ph type="body" idx="1"/>
           </p:nvPr>
         </p:nvSpPr>
         <p:spPr>
           <a:xfrm>
-            <a:off x="251520" y="2276872"/>
-            <a:ext cx="5915000" cy="4248472"/>
+            <a:off x="612402" y="2276872"/>
+            <a:ext cx="3670723" cy="576262"/>
           </a:xfrm>
         </p:spPr>
         <p:txBody>
           <a:bodyPr>
-            <a:normAutofit/>
+            <a:normAutofit fontScale="70000" lnSpcReduction="20000"/>
           </a:bodyPr>
           <a:lstStyle/>
           <a:p>
-            <a:pPr marL="0" indent="0">
-              <a:buNone/>
-            </a:pPr>
-            <a:r>
-              <a:rPr lang="ru-RU" sz="2400" dirty="0"/>
-              <a:t>Разработанная система является уникальной в своем роде, не имеющей на сегодняшний день аналогов, и предоставляющая новые возможности как работодателям, так и абитуриентам для заключения договоров целевого обучения.</a:t>
-            </a:r>
-          </a:p>
-          <a:p>
-            <a:pPr marL="0" indent="0">
-              <a:buNone/>
-            </a:pPr>
-            <a:endParaRPr lang="ru-RU" sz="2400" dirty="0"/>
-          </a:p>
-        </p:txBody>
-      </p:sp>
-      <p:pic>
-        <p:nvPicPr>
-          <p:cNvPr id="5" name="Объект 4"/>
-          <p:cNvPicPr>
-            <a:picLocks noGrp="1" noChangeAspect="1"/>
-          </p:cNvPicPr>
-          <p:nvPr>
-            <p:ph sz="half" idx="2"/>
-          </p:nvPr>
-        </p:nvPicPr>
-        <p:blipFill>
-          <a:blip r:embed="rId2" cstate="print">
-            <a:extLst>
-              <a:ext uri="{28A0092B-C50C-407E-A947-70E740481C1C}">
-                <a14:useLocalDpi xmlns:a14="http://schemas.microsoft.com/office/drawing/2010/main" val="0"/>
-              </a:ext>
-            </a:extLst>
-          </a:blip>
-          <a:stretch>
-            <a:fillRect/>
-          </a:stretch>
-        </p:blipFill>
+            <a:r>
+              <a:rPr lang="ru-RU" dirty="0"/>
+              <a:t>Подсистема </a:t>
+            </a:r>
+          </a:p>
+          <a:p>
+            <a:r>
+              <a:rPr lang="ru-RU" dirty="0"/>
+              <a:t>«Профиль Соискателя»</a:t>
+            </a:r>
+          </a:p>
+        </p:txBody>
+      </p:sp>
+      <p:sp>
+        <p:nvSpPr>
+          <p:cNvPr id="5" name="Текст 4"/>
+          <p:cNvSpPr>
+            <a:spLocks noGrp="1"/>
+          </p:cNvSpPr>
+          <p:nvPr>
+            <p:ph type="body" sz="quarter" idx="3"/>
+          </p:nvPr>
+        </p:nvSpPr>
         <p:spPr>
           <a:xfrm>
-            <a:off x="6372200" y="2996952"/>
-            <a:ext cx="2438400" cy="2438400"/>
+            <a:off x="4997637" y="2276872"/>
+            <a:ext cx="3670720" cy="576262"/>
           </a:xfrm>
         </p:spPr>
-      </p:pic>
+        <p:txBody>
+          <a:bodyPr>
+            <a:normAutofit fontScale="70000" lnSpcReduction="20000"/>
+          </a:bodyPr>
+          <a:lstStyle/>
+          <a:p>
+            <a:r>
+              <a:rPr lang="ru-RU" dirty="0"/>
+              <a:t>Подсистема </a:t>
+            </a:r>
+          </a:p>
+          <a:p>
+            <a:r>
+              <a:rPr lang="ru-RU" dirty="0"/>
+              <a:t> «Профиль  Организации»</a:t>
+            </a:r>
+          </a:p>
+        </p:txBody>
+      </p:sp>
+      <p:sp>
+        <p:nvSpPr>
+          <p:cNvPr id="4" name="Объект 3"/>
+          <p:cNvSpPr>
+            <a:spLocks noGrp="1"/>
+          </p:cNvSpPr>
+          <p:nvPr>
+            <p:ph sz="half" idx="2"/>
+          </p:nvPr>
+        </p:nvSpPr>
+        <p:spPr/>
+        <p:txBody>
+          <a:bodyPr/>
+          <a:lstStyle/>
+          <a:p>
+            <a:endParaRPr lang="ru-RU"/>
+          </a:p>
+        </p:txBody>
+      </p:sp>
+      <p:sp>
+        <p:nvSpPr>
+          <p:cNvPr id="6" name="Объект 5"/>
+          <p:cNvSpPr>
+            <a:spLocks noGrp="1"/>
+          </p:cNvSpPr>
+          <p:nvPr>
+            <p:ph sz="quarter" idx="4"/>
+          </p:nvPr>
+        </p:nvSpPr>
+        <p:spPr/>
+        <p:txBody>
+          <a:bodyPr/>
+          <a:lstStyle/>
+          <a:p>
+            <a:endParaRPr lang="ru-RU"/>
+          </a:p>
+        </p:txBody>
+      </p:sp>
     </p:spTree>
     <p:extLst>
       <p:ext uri="{BB962C8B-B14F-4D97-AF65-F5344CB8AC3E}">
-        <p14:creationId xmlns:p14="http://schemas.microsoft.com/office/powerpoint/2010/main" val="296164495"/>
+        <p14:creationId xmlns:p14="http://schemas.microsoft.com/office/powerpoint/2010/main" val="4209676221"/>
       </p:ext>
     </p:extLst>
   </p:cSld>
@@ -6398,30 +6579,252 @@
             <a:spLocks noGrp="1"/>
           </p:cNvSpPr>
           <p:nvPr>
-            <p:ph type="ctrTitle"/>
-          </p:nvPr>
-        </p:nvSpPr>
-        <p:spPr>
-          <a:xfrm>
-            <a:off x="899592" y="1556792"/>
-            <a:ext cx="7772400" cy="1944216"/>
-          </a:xfrm>
-        </p:spPr>
+            <p:ph type="title"/>
+          </p:nvPr>
+        </p:nvSpPr>
+        <p:spPr/>
         <p:txBody>
           <a:bodyPr/>
           <a:lstStyle/>
           <a:p>
             <a:r>
-              <a:rPr lang="ru-RU" dirty="0"/>
-              <a:t>Спасибо за внимание!</a:t>
-            </a:r>
+              <a:rPr lang="ru-RU" dirty="0" smtClean="0"/>
+              <a:t>Тестирование (пользовательское)</a:t>
+            </a:r>
+            <a:endParaRPr lang="ru-RU" dirty="0"/>
+          </a:p>
+        </p:txBody>
+      </p:sp>
+      <p:sp>
+        <p:nvSpPr>
+          <p:cNvPr id="3" name="Объект 2"/>
+          <p:cNvSpPr>
+            <a:spLocks noGrp="1"/>
+          </p:cNvSpPr>
+          <p:nvPr>
+            <p:ph idx="1"/>
+          </p:nvPr>
+        </p:nvSpPr>
+        <p:spPr/>
+        <p:txBody>
+          <a:bodyPr/>
+          <a:lstStyle/>
+          <a:p>
+            <a:pPr marL="0" indent="0">
+              <a:buNone/>
+            </a:pPr>
+            <a:r>
+              <a:rPr lang="ru-RU" sz="2800" dirty="0"/>
+              <a:t>В процессе пользовательского тестирования осуществлялось:</a:t>
+            </a:r>
+          </a:p>
+          <a:p>
+            <a:pPr lvl="0"/>
+            <a:r>
+              <a:rPr lang="ru-RU" sz="2800" dirty="0"/>
+              <a:t>Функциональное тестирование (</a:t>
+            </a:r>
+            <a:r>
+              <a:rPr lang="ru-RU" sz="2800" dirty="0" err="1"/>
+              <a:t>Functionality</a:t>
+            </a:r>
+            <a:r>
+              <a:rPr lang="ru-RU" sz="2800" dirty="0"/>
+              <a:t> </a:t>
+            </a:r>
+            <a:r>
+              <a:rPr lang="ru-RU" sz="2800" dirty="0" err="1"/>
+              <a:t>testing</a:t>
+            </a:r>
+            <a:r>
+              <a:rPr lang="ru-RU" sz="2800" dirty="0"/>
+              <a:t>)</a:t>
+            </a:r>
+          </a:p>
+          <a:p>
+            <a:pPr lvl="0"/>
+            <a:r>
+              <a:rPr lang="ru-RU" sz="2800" dirty="0"/>
+              <a:t>Тестирования удобства пользования (</a:t>
+            </a:r>
+            <a:r>
+              <a:rPr lang="ru-RU" sz="2800" dirty="0" err="1"/>
+              <a:t>Usability</a:t>
+            </a:r>
+            <a:r>
+              <a:rPr lang="ru-RU" sz="2800" dirty="0"/>
+              <a:t> </a:t>
+            </a:r>
+            <a:r>
+              <a:rPr lang="ru-RU" sz="2800" dirty="0" err="1"/>
+              <a:t>testing</a:t>
+            </a:r>
+            <a:r>
+              <a:rPr lang="ru-RU" sz="2800" dirty="0"/>
+              <a:t>)</a:t>
+            </a:r>
+          </a:p>
+          <a:p>
+            <a:pPr marL="0" indent="0">
+              <a:buNone/>
+            </a:pPr>
+            <a:endParaRPr lang="ru-RU" dirty="0"/>
           </a:p>
         </p:txBody>
       </p:sp>
     </p:spTree>
     <p:extLst>
       <p:ext uri="{BB962C8B-B14F-4D97-AF65-F5344CB8AC3E}">
-        <p14:creationId xmlns:p14="http://schemas.microsoft.com/office/powerpoint/2010/main" val="327953828"/>
+        <p14:creationId xmlns:p14="http://schemas.microsoft.com/office/powerpoint/2010/main" val="1853192954"/>
+      </p:ext>
+    </p:extLst>
+  </p:cSld>
+  <p:clrMapOvr>
+    <a:masterClrMapping/>
+  </p:clrMapOvr>
+</p:sld>
+</file>
+
+<file path=ppt/slides/slide9.xml><?xml version="1.0" encoding="utf-8"?>
+<p:sld xmlns:a="http://schemas.openxmlformats.org/drawingml/2006/main" xmlns:r="http://schemas.openxmlformats.org/officeDocument/2006/relationships" xmlns:p="http://schemas.openxmlformats.org/presentationml/2006/main">
+  <p:cSld>
+    <p:spTree>
+      <p:nvGrpSpPr>
+        <p:cNvPr id="1" name=""/>
+        <p:cNvGrpSpPr/>
+        <p:nvPr/>
+      </p:nvGrpSpPr>
+      <p:grpSpPr>
+        <a:xfrm>
+          <a:off x="0" y="0"/>
+          <a:ext cx="0" cy="0"/>
+          <a:chOff x="0" y="0"/>
+          <a:chExt cx="0" cy="0"/>
+        </a:xfrm>
+      </p:grpSpPr>
+      <p:sp>
+        <p:nvSpPr>
+          <p:cNvPr id="2" name="Заголовок 1"/>
+          <p:cNvSpPr>
+            <a:spLocks noGrp="1"/>
+          </p:cNvSpPr>
+          <p:nvPr>
+            <p:ph type="title"/>
+          </p:nvPr>
+        </p:nvSpPr>
+        <p:spPr/>
+        <p:txBody>
+          <a:bodyPr/>
+          <a:lstStyle/>
+          <a:p>
+            <a:r>
+              <a:rPr lang="ru-RU" dirty="0" smtClean="0"/>
+              <a:t>Тестирование (нагрузочное)</a:t>
+            </a:r>
+            <a:endParaRPr lang="ru-RU" dirty="0"/>
+          </a:p>
+        </p:txBody>
+      </p:sp>
+      <p:sp>
+        <p:nvSpPr>
+          <p:cNvPr id="3" name="Объект 2"/>
+          <p:cNvSpPr>
+            <a:spLocks noGrp="1"/>
+          </p:cNvSpPr>
+          <p:nvPr>
+            <p:ph idx="1"/>
+          </p:nvPr>
+        </p:nvSpPr>
+        <p:spPr>
+          <a:xfrm>
+            <a:off x="809997" y="2222286"/>
+            <a:ext cx="7524003" cy="4015025"/>
+          </a:xfrm>
+        </p:spPr>
+        <p:txBody>
+          <a:bodyPr>
+            <a:normAutofit/>
+          </a:bodyPr>
+          <a:lstStyle/>
+          <a:p>
+            <a:pPr marL="0" indent="0">
+              <a:buNone/>
+            </a:pPr>
+            <a:r>
+              <a:rPr lang="ru-RU" sz="2400" dirty="0"/>
+              <a:t>Нагрузочное тестирование проведено с помощью приложения </a:t>
+            </a:r>
+            <a:r>
+              <a:rPr lang="ru-RU" sz="2400" dirty="0" err="1"/>
+              <a:t>Apache</a:t>
+            </a:r>
+            <a:r>
+              <a:rPr lang="ru-RU" sz="2400" dirty="0"/>
+              <a:t> J</a:t>
+            </a:r>
+            <a:r>
+              <a:rPr lang="en-US" sz="2400" dirty="0"/>
+              <a:t>m</a:t>
+            </a:r>
+            <a:r>
+              <a:rPr lang="ru-RU" sz="2400" dirty="0" err="1"/>
+              <a:t>eter</a:t>
+            </a:r>
+            <a:r>
+              <a:rPr lang="ru-RU" sz="2400" dirty="0"/>
+              <a:t>. </a:t>
+            </a:r>
+            <a:endParaRPr lang="ru-RU" sz="2400" dirty="0" smtClean="0"/>
+          </a:p>
+          <a:p>
+            <a:pPr marL="0" indent="0">
+              <a:buNone/>
+            </a:pPr>
+            <a:endParaRPr lang="ru-RU" sz="2400" dirty="0" smtClean="0"/>
+          </a:p>
+          <a:p>
+            <a:pPr lvl="0"/>
+            <a:r>
+              <a:rPr lang="ru-RU" sz="2400" dirty="0"/>
+              <a:t>Было сделано 6000 запросов </a:t>
+            </a:r>
+            <a:r>
+              <a:rPr lang="ru-RU" sz="2400" dirty="0" smtClean="0"/>
+              <a:t>по </a:t>
+            </a:r>
+            <a:r>
+              <a:rPr lang="ru-RU" sz="2400" dirty="0"/>
+              <a:t>указанному адресу </a:t>
+            </a:r>
+          </a:p>
+          <a:p>
+            <a:pPr lvl="0"/>
+            <a:r>
+              <a:rPr lang="ru-RU" sz="2400" dirty="0" smtClean="0"/>
+              <a:t>Среднее время ответа составило 0.065  секунды</a:t>
+            </a:r>
+          </a:p>
+          <a:p>
+            <a:pPr lvl="0"/>
+            <a:r>
+              <a:rPr lang="ru-RU" sz="2400" dirty="0" smtClean="0"/>
+              <a:t>количество </a:t>
+            </a:r>
+            <a:r>
+              <a:rPr lang="ru-RU" sz="2400" dirty="0"/>
+              <a:t>ошибок в процентах, которые вернул сервер (0.05</a:t>
+            </a:r>
+            <a:r>
+              <a:rPr lang="ru-RU" sz="2400" dirty="0" smtClean="0"/>
+              <a:t>%)</a:t>
+            </a:r>
+          </a:p>
+        </p:txBody>
+      </p:sp>
+    </p:spTree>
+    <p:extLst>
+      <p:ext uri="{BB962C8B-B14F-4D97-AF65-F5344CB8AC3E}">
+        <p14:creationId xmlns:p14="http://schemas.microsoft.com/office/powerpoint/2010/main" val="2263056011"/>
       </p:ext>
     </p:extLst>
   </p:cSld>
@@ -6662,7 +7065,7 @@
   <a:extraClrSchemeLst/>
   <a:extLst>
     <a:ext uri="{05A4C25C-085E-4340-85A3-A5531E510DB2}">
-      <thm15:themeFamily xmlns:thm15="http://schemas.microsoft.com/office/thememl/2012/main" name="Quotable" id="{39EC5628-30ED-4578-ACD8-9820EDB8E15A}" vid="{6F3559E9-1A4C-49D8-94D4-F41003531C49}"/>
+      <thm15:themeFamily xmlns="" xmlns:thm15="http://schemas.microsoft.com/office/thememl/2012/main" name="Quotable" id="{39EC5628-30ED-4578-ACD8-9820EDB8E15A}" vid="{6F3559E9-1A4C-49D8-94D4-F41003531C49}"/>
     </a:ext>
   </a:extLst>
 </a:theme>

--- a/презентация.pptx
+++ b/презентация.pptx
@@ -2,7 +2,7 @@
 <file path=ppt/presentation.xml><?xml version="1.0" encoding="utf-8"?>
 <p:presentation xmlns:a="http://schemas.openxmlformats.org/drawingml/2006/main" xmlns:r="http://schemas.openxmlformats.org/officeDocument/2006/relationships" xmlns:p="http://schemas.openxmlformats.org/presentationml/2006/main" saveSubsetFonts="1">
   <p:sldMasterIdLst>
-    <p:sldMasterId id="2147483735" r:id="rId1"/>
+    <p:sldMasterId id="2147483750" r:id="rId1"/>
   </p:sldMasterIdLst>
   <p:sldIdLst>
     <p:sldId id="256" r:id="rId2"/>
@@ -12,10 +12,11 @@
     <p:sldId id="259" r:id="rId6"/>
     <p:sldId id="268" r:id="rId7"/>
     <p:sldId id="266" r:id="rId8"/>
-    <p:sldId id="270" r:id="rId9"/>
-    <p:sldId id="271" r:id="rId10"/>
-    <p:sldId id="267" r:id="rId11"/>
-    <p:sldId id="262" r:id="rId12"/>
+    <p:sldId id="272" r:id="rId9"/>
+    <p:sldId id="270" r:id="rId10"/>
+    <p:sldId id="271" r:id="rId11"/>
+    <p:sldId id="267" r:id="rId12"/>
+    <p:sldId id="262" r:id="rId13"/>
   </p:sldIdLst>
   <p:sldSz cx="9144000" cy="6858000" type="screen4x3"/>
   <p:notesSz cx="6858000" cy="9144000"/>
@@ -116,13 +117,13 @@
   </p:defaultTextStyle>
   <p:extLst>
     <p:ext uri="{EFAFB233-063F-42B5-8137-9DF3F51BA10A}">
-      <p15:sldGuideLst xmlns="" xmlns:p15="http://schemas.microsoft.com/office/powerpoint/2012/main">
-        <p15:guide id="1" orient="horz" pos="2160">
+      <p15:sldGuideLst xmlns:p15="http://schemas.microsoft.com/office/powerpoint/2012/main">
+        <p15:guide id="1" orient="horz" pos="2160" userDrawn="1">
           <p15:clr>
             <a:srgbClr val="A4A3A4"/>
           </p15:clr>
         </p15:guide>
-        <p15:guide id="2" pos="2880">
+        <p15:guide id="2" pos="2880" userDrawn="1">
           <p15:clr>
             <a:srgbClr val="A4A3A4"/>
           </p15:clr>
@@ -266,7 +267,7 @@
         </p:nvSpPr>
         <p:spPr>
           <a:xfrm>
-            <a:off x="808831" y="1449146"/>
+            <a:off x="808833" y="1449150"/>
             <a:ext cx="7526338" cy="2971051"/>
           </a:xfrm>
         </p:spPr>
@@ -298,7 +299,7 @@
         </p:nvSpPr>
         <p:spPr>
           <a:xfrm>
-            <a:off x="808831" y="5280847"/>
+            <a:off x="808833" y="5280847"/>
             <a:ext cx="7526338" cy="434974"/>
           </a:xfrm>
         </p:spPr>
@@ -420,7 +421,7 @@
           <a:p>
             <a:fld id="{CD68B086-6225-4854-8595-245ADE96378D}" type="datetimeFigureOut">
               <a:rPr lang="ru-RU" smtClean="0"/>
-              <a:t>03.03.2022</a:t>
+              <a:t>22.03.2022</a:t>
             </a:fld>
             <a:endParaRPr lang="ru-RU"/>
           </a:p>
@@ -471,7 +472,7 @@
     </p:spTree>
     <p:extLst>
       <p:ext uri="{BB962C8B-B14F-4D97-AF65-F5344CB8AC3E}">
-        <p14:creationId xmlns:p14="http://schemas.microsoft.com/office/powerpoint/2010/main" val="3672999795"/>
+        <p14:creationId xmlns:p14="http://schemas.microsoft.com/office/powerpoint/2010/main" val="1224420123"/>
       </p:ext>
     </p:extLst>
   </p:cSld>
@@ -738,7 +739,7 @@
           <a:p>
             <a:fld id="{CD68B086-6225-4854-8595-245ADE96378D}" type="datetimeFigureOut">
               <a:rPr lang="ru-RU" smtClean="0"/>
-              <a:t>03.03.2022</a:t>
+              <a:t>22.03.2022</a:t>
             </a:fld>
             <a:endParaRPr lang="ru-RU"/>
           </a:p>
@@ -789,7 +790,7 @@
     </p:spTree>
     <p:extLst>
       <p:ext uri="{BB962C8B-B14F-4D97-AF65-F5344CB8AC3E}">
-        <p14:creationId xmlns:p14="http://schemas.microsoft.com/office/powerpoint/2010/main" val="4102748413"/>
+        <p14:creationId xmlns:p14="http://schemas.microsoft.com/office/powerpoint/2010/main" val="2739089833"/>
       </p:ext>
     </p:extLst>
   </p:cSld>
@@ -1068,7 +1069,7 @@
         </p:nvSpPr>
         <p:spPr>
           <a:xfrm>
-            <a:off x="651226" y="4700702"/>
+            <a:off x="651227" y="4700706"/>
             <a:ext cx="4418727" cy="713241"/>
           </a:xfrm>
         </p:spPr>
@@ -1226,7 +1227,7 @@
           <a:p>
             <a:fld id="{CD68B086-6225-4854-8595-245ADE96378D}" type="datetimeFigureOut">
               <a:rPr lang="ru-RU" smtClean="0"/>
-              <a:t>03.03.2022</a:t>
+              <a:t>22.03.2022</a:t>
             </a:fld>
             <a:endParaRPr lang="ru-RU"/>
           </a:p>
@@ -1277,7 +1278,7 @@
     </p:spTree>
     <p:extLst>
       <p:ext uri="{BB962C8B-B14F-4D97-AF65-F5344CB8AC3E}">
-        <p14:creationId xmlns:p14="http://schemas.microsoft.com/office/powerpoint/2010/main" val="326051687"/>
+        <p14:creationId xmlns:p14="http://schemas.microsoft.com/office/powerpoint/2010/main" val="1661715785"/>
       </p:ext>
     </p:extLst>
   </p:cSld>
@@ -1314,7 +1315,7 @@
         </p:nvSpPr>
         <p:spPr bwMode="auto">
           <a:xfrm>
-            <a:off x="855663" y="2286585"/>
+            <a:off x="855664" y="2286585"/>
             <a:ext cx="3671336" cy="2503972"/>
           </a:xfrm>
           <a:custGeom>
@@ -1524,7 +1525,7 @@
         </p:nvSpPr>
         <p:spPr>
           <a:xfrm>
-            <a:off x="1017816" y="2435956"/>
+            <a:off x="1017818" y="2435960"/>
             <a:ext cx="3286891" cy="2007789"/>
           </a:xfrm>
         </p:spPr>
@@ -1556,7 +1557,7 @@
         </p:nvSpPr>
         <p:spPr>
           <a:xfrm>
-            <a:off x="4616450" y="2286000"/>
+            <a:off x="4616452" y="2286000"/>
             <a:ext cx="3671888" cy="2300288"/>
           </a:xfrm>
         </p:spPr>
@@ -1595,7 +1596,7 @@
           <a:p>
             <a:fld id="{CD68B086-6225-4854-8595-245ADE96378D}" type="datetimeFigureOut">
               <a:rPr lang="ru-RU" smtClean="0"/>
-              <a:t>03.03.2022</a:t>
+              <a:t>22.03.2022</a:t>
             </a:fld>
             <a:endParaRPr lang="ru-RU"/>
           </a:p>
@@ -1646,7 +1647,7 @@
     </p:spTree>
     <p:extLst>
       <p:ext uri="{BB962C8B-B14F-4D97-AF65-F5344CB8AC3E}">
-        <p14:creationId xmlns:p14="http://schemas.microsoft.com/office/powerpoint/2010/main" val="3836875963"/>
+        <p14:creationId xmlns:p14="http://schemas.microsoft.com/office/powerpoint/2010/main" val="4237736014"/>
       </p:ext>
     </p:extLst>
   </p:cSld>
@@ -1868,7 +1869,7 @@
           <a:p>
             <a:fld id="{CD68B086-6225-4854-8595-245ADE96378D}" type="datetimeFigureOut">
               <a:rPr lang="ru-RU" smtClean="0"/>
-              <a:t>03.03.2022</a:t>
+              <a:t>22.03.2022</a:t>
             </a:fld>
             <a:endParaRPr lang="ru-RU"/>
           </a:p>
@@ -1919,7 +1920,7 @@
     </p:spTree>
     <p:extLst>
       <p:ext uri="{BB962C8B-B14F-4D97-AF65-F5344CB8AC3E}">
-        <p14:creationId xmlns:p14="http://schemas.microsoft.com/office/powerpoint/2010/main" val="3977348300"/>
+        <p14:creationId xmlns:p14="http://schemas.microsoft.com/office/powerpoint/2010/main" val="1142477366"/>
       </p:ext>
     </p:extLst>
   </p:cSld>
@@ -1956,7 +1957,7 @@
         </p:nvSpPr>
         <p:spPr bwMode="auto">
           <a:xfrm>
-            <a:off x="5752238" y="446089"/>
+            <a:off x="5752239" y="446089"/>
             <a:ext cx="3391762" cy="5414962"/>
           </a:xfrm>
           <a:custGeom>
@@ -2061,7 +2062,7 @@
         </p:nvSpPr>
         <p:spPr bwMode="auto">
           <a:xfrm>
-            <a:off x="5233988" y="0"/>
+            <a:off x="5233989" y="0"/>
             <a:ext cx="3910012" cy="5867400"/>
           </a:xfrm>
           <a:prstGeom prst="rect">
@@ -2104,7 +2105,7 @@
         </p:nvSpPr>
         <p:spPr>
           <a:xfrm>
-            <a:off x="6137655" y="586171"/>
+            <a:off x="6137656" y="586171"/>
             <a:ext cx="1701800" cy="5134798"/>
           </a:xfrm>
         </p:spPr>
@@ -2132,7 +2133,7 @@
         </p:nvSpPr>
         <p:spPr>
           <a:xfrm>
-            <a:off x="804862" y="446089"/>
+            <a:off x="804864" y="446089"/>
             <a:ext cx="4947376" cy="5414962"/>
           </a:xfrm>
         </p:spPr>
@@ -2194,7 +2195,7 @@
           <a:p>
             <a:fld id="{CD68B086-6225-4854-8595-245ADE96378D}" type="datetimeFigureOut">
               <a:rPr lang="ru-RU" smtClean="0"/>
-              <a:t>03.03.2022</a:t>
+              <a:t>22.03.2022</a:t>
             </a:fld>
             <a:endParaRPr lang="ru-RU"/>
           </a:p>
@@ -2245,7 +2246,7 @@
     </p:spTree>
     <p:extLst>
       <p:ext uri="{BB962C8B-B14F-4D97-AF65-F5344CB8AC3E}">
-        <p14:creationId xmlns:p14="http://schemas.microsoft.com/office/powerpoint/2010/main" val="3820777677"/>
+        <p14:creationId xmlns:p14="http://schemas.microsoft.com/office/powerpoint/2010/main" val="1719692185"/>
       </p:ext>
     </p:extLst>
   </p:cSld>
@@ -2410,7 +2411,7 @@
         </p:nvSpPr>
         <p:spPr>
           <a:xfrm>
-            <a:off x="809997" y="2222287"/>
+            <a:off x="809999" y="2222287"/>
             <a:ext cx="7524003" cy="3636510"/>
           </a:xfrm>
         </p:spPr>
@@ -2472,7 +2473,7 @@
           <a:p>
             <a:fld id="{CD68B086-6225-4854-8595-245ADE96378D}" type="datetimeFigureOut">
               <a:rPr lang="ru-RU" smtClean="0"/>
-              <a:t>03.03.2022</a:t>
+              <a:t>22.03.2022</a:t>
             </a:fld>
             <a:endParaRPr lang="ru-RU"/>
           </a:p>
@@ -2523,7 +2524,7 @@
     </p:spTree>
     <p:extLst>
       <p:ext uri="{BB962C8B-B14F-4D97-AF65-F5344CB8AC3E}">
-        <p14:creationId xmlns:p14="http://schemas.microsoft.com/office/powerpoint/2010/main" val="3622505837"/>
+        <p14:creationId xmlns:p14="http://schemas.microsoft.com/office/powerpoint/2010/main" val="1286426803"/>
       </p:ext>
     </p:extLst>
   </p:cSld>
@@ -2558,7 +2559,7 @@
         </p:nvSpPr>
         <p:spPr bwMode="auto">
           <a:xfrm>
-            <a:off x="0" y="0"/>
+            <a:off x="0" y="4"/>
             <a:ext cx="9144000" cy="5203825"/>
           </a:xfrm>
           <a:custGeom>
@@ -2691,7 +2692,7 @@
         </p:nvSpPr>
         <p:spPr>
           <a:xfrm>
-            <a:off x="804863" y="5281200"/>
+            <a:off x="804863" y="5281204"/>
             <a:ext cx="7526337" cy="433955"/>
           </a:xfrm>
         </p:spPr>
@@ -2815,7 +2816,7 @@
           <a:p>
             <a:fld id="{CD68B086-6225-4854-8595-245ADE96378D}" type="datetimeFigureOut">
               <a:rPr lang="ru-RU" smtClean="0"/>
-              <a:t>03.03.2022</a:t>
+              <a:t>22.03.2022</a:t>
             </a:fld>
             <a:endParaRPr lang="ru-RU"/>
           </a:p>
@@ -2866,7 +2867,7 @@
     </p:spTree>
     <p:extLst>
       <p:ext uri="{BB962C8B-B14F-4D97-AF65-F5344CB8AC3E}">
-        <p14:creationId xmlns:p14="http://schemas.microsoft.com/office/powerpoint/2010/main" val="1519709258"/>
+        <p14:creationId xmlns:p14="http://schemas.microsoft.com/office/powerpoint/2010/main" val="509482569"/>
       </p:ext>
     </p:extLst>
   </p:cSld>
@@ -3031,7 +3032,7 @@
         </p:nvSpPr>
         <p:spPr>
           <a:xfrm>
-            <a:off x="809996" y="2222287"/>
+            <a:off x="809998" y="2222291"/>
             <a:ext cx="3670723" cy="3638763"/>
           </a:xfrm>
         </p:spPr>
@@ -3090,7 +3091,7 @@
         </p:nvSpPr>
         <p:spPr>
           <a:xfrm>
-            <a:off x="4663280" y="2222287"/>
+            <a:off x="4663281" y="2222291"/>
             <a:ext cx="3670720" cy="3638763"/>
           </a:xfrm>
         </p:spPr>
@@ -3154,7 +3155,7 @@
           <a:p>
             <a:fld id="{CD68B086-6225-4854-8595-245ADE96378D}" type="datetimeFigureOut">
               <a:rPr lang="ru-RU" smtClean="0"/>
-              <a:t>03.03.2022</a:t>
+              <a:t>22.03.2022</a:t>
             </a:fld>
             <a:endParaRPr lang="ru-RU"/>
           </a:p>
@@ -3205,7 +3206,7 @@
     </p:spTree>
     <p:extLst>
       <p:ext uri="{BB962C8B-B14F-4D97-AF65-F5344CB8AC3E}">
-        <p14:creationId xmlns:p14="http://schemas.microsoft.com/office/powerpoint/2010/main" val="1264774986"/>
+        <p14:creationId xmlns:p14="http://schemas.microsoft.com/office/powerpoint/2010/main" val="2706436352"/>
       </p:ext>
     </p:extLst>
   </p:cSld>
@@ -3374,7 +3375,7 @@
         </p:nvSpPr>
         <p:spPr>
           <a:xfrm>
-            <a:off x="809996" y="2174875"/>
+            <a:off x="809998" y="2174875"/>
             <a:ext cx="3670723" cy="576262"/>
           </a:xfrm>
         </p:spPr>
@@ -3441,7 +3442,7 @@
         </p:nvSpPr>
         <p:spPr>
           <a:xfrm>
-            <a:off x="809996" y="2751137"/>
+            <a:off x="809998" y="2751141"/>
             <a:ext cx="3687391" cy="3109913"/>
           </a:xfrm>
         </p:spPr>
@@ -3500,7 +3501,7 @@
         </p:nvSpPr>
         <p:spPr>
           <a:xfrm>
-            <a:off x="4663280" y="2174875"/>
+            <a:off x="4663281" y="2174875"/>
             <a:ext cx="3670720" cy="576262"/>
           </a:xfrm>
         </p:spPr>
@@ -3567,7 +3568,7 @@
         </p:nvSpPr>
         <p:spPr>
           <a:xfrm>
-            <a:off x="4663280" y="2751137"/>
+            <a:off x="4663281" y="2751141"/>
             <a:ext cx="3670720" cy="3109913"/>
           </a:xfrm>
         </p:spPr>
@@ -3631,7 +3632,7 @@
           <a:p>
             <a:fld id="{CD68B086-6225-4854-8595-245ADE96378D}" type="datetimeFigureOut">
               <a:rPr lang="ru-RU" smtClean="0"/>
-              <a:t>03.03.2022</a:t>
+              <a:t>22.03.2022</a:t>
             </a:fld>
             <a:endParaRPr lang="ru-RU"/>
           </a:p>
@@ -3682,7 +3683,7 @@
     </p:spTree>
     <p:extLst>
       <p:ext uri="{BB962C8B-B14F-4D97-AF65-F5344CB8AC3E}">
-        <p14:creationId xmlns:p14="http://schemas.microsoft.com/office/powerpoint/2010/main" val="1703049322"/>
+        <p14:creationId xmlns:p14="http://schemas.microsoft.com/office/powerpoint/2010/main" val="1991333682"/>
       </p:ext>
     </p:extLst>
   </p:cSld>
@@ -3852,7 +3853,7 @@
           <a:p>
             <a:fld id="{CD68B086-6225-4854-8595-245ADE96378D}" type="datetimeFigureOut">
               <a:rPr lang="ru-RU" smtClean="0"/>
-              <a:t>03.03.2022</a:t>
+              <a:t>22.03.2022</a:t>
             </a:fld>
             <a:endParaRPr lang="ru-RU"/>
           </a:p>
@@ -3903,7 +3904,7 @@
     </p:spTree>
     <p:extLst>
       <p:ext uri="{BB962C8B-B14F-4D97-AF65-F5344CB8AC3E}">
-        <p14:creationId xmlns:p14="http://schemas.microsoft.com/office/powerpoint/2010/main" val="2817293477"/>
+        <p14:creationId xmlns:p14="http://schemas.microsoft.com/office/powerpoint/2010/main" val="1838250337"/>
       </p:ext>
     </p:extLst>
   </p:cSld>
@@ -3947,7 +3948,7 @@
           <a:p>
             <a:fld id="{CD68B086-6225-4854-8595-245ADE96378D}" type="datetimeFigureOut">
               <a:rPr lang="ru-RU" smtClean="0"/>
-              <a:t>03.03.2022</a:t>
+              <a:t>22.03.2022</a:t>
             </a:fld>
             <a:endParaRPr lang="ru-RU"/>
           </a:p>
@@ -3998,7 +3999,7 @@
     </p:spTree>
     <p:extLst>
       <p:ext uri="{BB962C8B-B14F-4D97-AF65-F5344CB8AC3E}">
-        <p14:creationId xmlns:p14="http://schemas.microsoft.com/office/powerpoint/2010/main" val="2754658382"/>
+        <p14:creationId xmlns:p14="http://schemas.microsoft.com/office/powerpoint/2010/main" val="3571617589"/>
       </p:ext>
     </p:extLst>
   </p:cSld>
@@ -4035,7 +4036,7 @@
         </p:nvSpPr>
         <p:spPr bwMode="auto">
           <a:xfrm>
-            <a:off x="804863" y="446086"/>
+            <a:off x="804864" y="446090"/>
             <a:ext cx="2660650" cy="1814651"/>
           </a:xfrm>
           <a:custGeom>
@@ -4253,7 +4254,7 @@
         </p:nvSpPr>
         <p:spPr>
           <a:xfrm>
-            <a:off x="804863" y="446088"/>
+            <a:off x="804864" y="446088"/>
             <a:ext cx="2660650" cy="1618396"/>
           </a:xfrm>
         </p:spPr>
@@ -4285,7 +4286,7 @@
         </p:nvSpPr>
         <p:spPr>
           <a:xfrm>
-            <a:off x="3641724" y="446087"/>
+            <a:off x="3641726" y="446091"/>
             <a:ext cx="4689475" cy="5414963"/>
           </a:xfrm>
         </p:spPr>
@@ -4344,7 +4345,7 @@
         </p:nvSpPr>
         <p:spPr>
           <a:xfrm>
-            <a:off x="804863" y="2260737"/>
+            <a:off x="804864" y="2260741"/>
             <a:ext cx="2660650" cy="3600311"/>
           </a:xfrm>
         </p:spPr>
@@ -4414,7 +4415,7 @@
           <a:p>
             <a:fld id="{CD68B086-6225-4854-8595-245ADE96378D}" type="datetimeFigureOut">
               <a:rPr lang="ru-RU" smtClean="0"/>
-              <a:t>03.03.2022</a:t>
+              <a:t>22.03.2022</a:t>
             </a:fld>
             <a:endParaRPr lang="ru-RU"/>
           </a:p>
@@ -4465,7 +4466,7 @@
     </p:spTree>
     <p:extLst>
       <p:ext uri="{BB962C8B-B14F-4D97-AF65-F5344CB8AC3E}">
-        <p14:creationId xmlns:p14="http://schemas.microsoft.com/office/powerpoint/2010/main" val="989546583"/>
+        <p14:creationId xmlns:p14="http://schemas.microsoft.com/office/powerpoint/2010/main" val="316911439"/>
       </p:ext>
     </p:extLst>
   </p:cSld>
@@ -4504,7 +4505,7 @@
         </p:nvSpPr>
         <p:spPr>
           <a:xfrm>
-            <a:off x="809996" y="727521"/>
+            <a:off x="809998" y="727525"/>
             <a:ext cx="3501548" cy="1617163"/>
           </a:xfrm>
         </p:spPr>
@@ -4650,7 +4651,7 @@
         </p:nvSpPr>
         <p:spPr>
           <a:xfrm>
-            <a:off x="809996" y="2344684"/>
+            <a:off x="809998" y="2344684"/>
             <a:ext cx="3501548" cy="3516365"/>
           </a:xfrm>
         </p:spPr>
@@ -4717,7 +4718,7 @@
         </p:nvSpPr>
         <p:spPr>
           <a:xfrm>
-            <a:off x="2914357" y="6041361"/>
+            <a:off x="2914359" y="6041365"/>
             <a:ext cx="732659" cy="365125"/>
           </a:xfrm>
         </p:spPr>
@@ -4727,7 +4728,7 @@
           <a:p>
             <a:fld id="{CD68B086-6225-4854-8595-245ADE96378D}" type="datetimeFigureOut">
               <a:rPr lang="ru-RU" smtClean="0"/>
-              <a:t>03.03.2022</a:t>
+              <a:t>22.03.2022</a:t>
             </a:fld>
             <a:endParaRPr lang="ru-RU"/>
           </a:p>
@@ -4745,7 +4746,7 @@
         </p:nvSpPr>
         <p:spPr>
           <a:xfrm>
-            <a:off x="442797" y="6041361"/>
+            <a:off x="442797" y="6041365"/>
             <a:ext cx="2471560" cy="365125"/>
           </a:xfrm>
         </p:spPr>
@@ -4769,7 +4770,7 @@
         </p:nvSpPr>
         <p:spPr>
           <a:xfrm>
-            <a:off x="3647017" y="5915887"/>
+            <a:off x="3647017" y="5915891"/>
             <a:ext cx="796616" cy="490599"/>
           </a:xfrm>
         </p:spPr>
@@ -4788,7 +4789,7 @@
     </p:spTree>
     <p:extLst>
       <p:ext uri="{BB962C8B-B14F-4D97-AF65-F5344CB8AC3E}">
-        <p14:creationId xmlns:p14="http://schemas.microsoft.com/office/powerpoint/2010/main" val="908220600"/>
+        <p14:creationId xmlns:p14="http://schemas.microsoft.com/office/powerpoint/2010/main" val="960922343"/>
       </p:ext>
     </p:extLst>
   </p:cSld>
@@ -4832,7 +4833,7 @@
         </p:nvSpPr>
         <p:spPr>
           <a:xfrm>
-            <a:off x="809997" y="447188"/>
+            <a:off x="809999" y="447188"/>
             <a:ext cx="7524003" cy="970450"/>
           </a:xfrm>
           <a:prstGeom prst="rect">
@@ -4872,7 +4873,7 @@
         </p:nvSpPr>
         <p:spPr>
           <a:xfrm>
-            <a:off x="809997" y="2184400"/>
+            <a:off x="809999" y="2184404"/>
             <a:ext cx="7524003" cy="3674397"/>
           </a:xfrm>
           <a:prstGeom prst="rect">
@@ -4941,7 +4942,7 @@
         </p:nvSpPr>
         <p:spPr>
           <a:xfrm>
-            <a:off x="442797" y="6041361"/>
+            <a:off x="442798" y="6041365"/>
             <a:ext cx="6289532" cy="365125"/>
           </a:xfrm>
           <a:prstGeom prst="rect">
@@ -4976,7 +4977,7 @@
         </p:nvSpPr>
         <p:spPr>
           <a:xfrm>
-            <a:off x="6911422" y="6041361"/>
+            <a:off x="6911424" y="6041365"/>
             <a:ext cx="993161" cy="365125"/>
           </a:xfrm>
           <a:prstGeom prst="rect">
@@ -4997,7 +4998,7 @@
           <a:p>
             <a:fld id="{CD68B086-6225-4854-8595-245ADE96378D}" type="datetimeFigureOut">
               <a:rPr lang="ru-RU" smtClean="0"/>
-              <a:t>03.03.2022</a:t>
+              <a:t>22.03.2022</a:t>
             </a:fld>
             <a:endParaRPr lang="ru-RU"/>
           </a:p>
@@ -5015,7 +5016,7 @@
         </p:nvSpPr>
         <p:spPr>
           <a:xfrm>
-            <a:off x="7904584" y="5915887"/>
+            <a:off x="7904584" y="5915891"/>
             <a:ext cx="796616" cy="490599"/>
           </a:xfrm>
           <a:prstGeom prst="rect">
@@ -5045,26 +5046,26 @@
     </p:spTree>
     <p:extLst>
       <p:ext uri="{BB962C8B-B14F-4D97-AF65-F5344CB8AC3E}">
-        <p14:creationId xmlns:p14="http://schemas.microsoft.com/office/powerpoint/2010/main" val="1203035524"/>
+        <p14:creationId xmlns:p14="http://schemas.microsoft.com/office/powerpoint/2010/main" val="1450595469"/>
       </p:ext>
     </p:extLst>
   </p:cSld>
   <p:clrMap bg1="dk1" tx1="lt1" bg2="dk2" tx2="lt2" accent1="accent1" accent2="accent2" accent3="accent3" accent4="accent4" accent5="accent5" accent6="accent6" hlink="hlink" folHlink="folHlink"/>
   <p:sldLayoutIdLst>
-    <p:sldLayoutId id="2147483736" r:id="rId1"/>
-    <p:sldLayoutId id="2147483737" r:id="rId2"/>
-    <p:sldLayoutId id="2147483738" r:id="rId3"/>
-    <p:sldLayoutId id="2147483739" r:id="rId4"/>
-    <p:sldLayoutId id="2147483740" r:id="rId5"/>
-    <p:sldLayoutId id="2147483741" r:id="rId6"/>
-    <p:sldLayoutId id="2147483742" r:id="rId7"/>
-    <p:sldLayoutId id="2147483743" r:id="rId8"/>
-    <p:sldLayoutId id="2147483744" r:id="rId9"/>
-    <p:sldLayoutId id="2147483745" r:id="rId10"/>
-    <p:sldLayoutId id="2147483746" r:id="rId11"/>
-    <p:sldLayoutId id="2147483747" r:id="rId12"/>
-    <p:sldLayoutId id="2147483748" r:id="rId13"/>
-    <p:sldLayoutId id="2147483749" r:id="rId14"/>
+    <p:sldLayoutId id="2147483751" r:id="rId1"/>
+    <p:sldLayoutId id="2147483752" r:id="rId2"/>
+    <p:sldLayoutId id="2147483753" r:id="rId3"/>
+    <p:sldLayoutId id="2147483754" r:id="rId4"/>
+    <p:sldLayoutId id="2147483755" r:id="rId5"/>
+    <p:sldLayoutId id="2147483756" r:id="rId6"/>
+    <p:sldLayoutId id="2147483757" r:id="rId7"/>
+    <p:sldLayoutId id="2147483758" r:id="rId8"/>
+    <p:sldLayoutId id="2147483759" r:id="rId9"/>
+    <p:sldLayoutId id="2147483760" r:id="rId10"/>
+    <p:sldLayoutId id="2147483761" r:id="rId11"/>
+    <p:sldLayoutId id="2147483762" r:id="rId12"/>
+    <p:sldLayoutId id="2147483763" r:id="rId13"/>
+    <p:sldLayoutId id="2147483764" r:id="rId14"/>
   </p:sldLayoutIdLst>
   <p:txStyles>
     <p:titleStyle>
@@ -5432,6 +5433,14 @@
 <file path=ppt/slides/slide1.xml><?xml version="1.0" encoding="utf-8"?>
 <p:sld xmlns:a="http://schemas.openxmlformats.org/drawingml/2006/main" xmlns:r="http://schemas.openxmlformats.org/officeDocument/2006/relationships" xmlns:p="http://schemas.openxmlformats.org/presentationml/2006/main">
   <p:cSld>
+    <p:bg>
+      <p:bgPr>
+        <a:solidFill>
+          <a:schemeClr val="bg2"/>
+        </a:solidFill>
+        <a:effectLst/>
+      </p:bgPr>
+    </p:bg>
     <p:spTree>
       <p:nvGrpSpPr>
         <p:cNvPr id="1" name=""/>
@@ -5469,10 +5478,9 @@
           <a:lstStyle/>
           <a:p>
             <a:r>
-              <a:rPr lang="ru-RU" sz="2800" b="1" dirty="0"/>
+              <a:rPr lang="ru-RU" sz="2800" dirty="0"/>
               <a:t>Онлайн система подбора соискателей на целевое обучение по образовательным программам среднего профессионального и высшего образования «ЦЕЛЕВИК»</a:t>
             </a:r>
-            <a:endParaRPr lang="ru-RU" sz="2800" dirty="0"/>
           </a:p>
         </p:txBody>
       </p:sp>
@@ -5488,8 +5496,8 @@
         </p:nvSpPr>
         <p:spPr>
           <a:xfrm>
-            <a:off x="2699792" y="3645023"/>
-            <a:ext cx="5832648" cy="2520281"/>
+            <a:off x="2699792" y="3573016"/>
+            <a:ext cx="5832648" cy="2808311"/>
           </a:xfrm>
         </p:spPr>
         <p:txBody>
@@ -5500,66 +5508,42 @@
           <a:p>
             <a:pPr algn="r"/>
             <a:r>
-              <a:rPr lang="ru-RU" sz="2000" b="1" dirty="0">
-                <a:solidFill>
-                  <a:schemeClr val="tx1"/>
-                </a:solidFill>
-              </a:rPr>
+              <a:rPr lang="ru-RU" sz="2000" b="1" dirty="0"/>
               <a:t>Работу выполнил:</a:t>
             </a:r>
           </a:p>
           <a:p>
             <a:pPr algn="r"/>
             <a:r>
-              <a:rPr lang="ru-RU" sz="2000" dirty="0">
-                <a:solidFill>
-                  <a:schemeClr val="tx1"/>
-                </a:solidFill>
-              </a:rPr>
+              <a:rPr lang="ru-RU" sz="2000" dirty="0"/>
               <a:t>Паншин Сергей Константинович </a:t>
             </a:r>
           </a:p>
           <a:p>
             <a:pPr algn="r"/>
             <a:r>
-              <a:rPr lang="ru-RU" sz="2000" dirty="0">
-                <a:solidFill>
-                  <a:schemeClr val="tx1"/>
-                </a:solidFill>
-              </a:rPr>
+              <a:rPr lang="ru-RU" sz="2000" dirty="0"/>
               <a:t>ГБОУ Школа 1158,  11 «Т» класс</a:t>
             </a:r>
           </a:p>
           <a:p>
             <a:pPr algn="r"/>
             <a:r>
-              <a:rPr lang="ru-RU" sz="2000" b="1" dirty="0">
-                <a:solidFill>
-                  <a:schemeClr val="tx1"/>
-                </a:solidFill>
-              </a:rPr>
+              <a:rPr lang="ru-RU" sz="2000" b="1" dirty="0"/>
               <a:t>Научный руководитель:</a:t>
             </a:r>
           </a:p>
           <a:p>
             <a:pPr algn="r"/>
             <a:r>
-              <a:rPr lang="ru-RU" sz="2000" dirty="0">
-                <a:solidFill>
-                  <a:schemeClr val="tx1"/>
-                </a:solidFill>
-              </a:rPr>
+              <a:rPr lang="ru-RU" sz="2000" dirty="0"/>
               <a:t>Коновалова Татьяна Александровна</a:t>
             </a:r>
           </a:p>
           <a:p>
             <a:pPr algn="r"/>
             <a:r>
-              <a:rPr lang="ru-RU" sz="2000" dirty="0">
-                <a:solidFill>
-                  <a:schemeClr val="tx1"/>
-                </a:solidFill>
-              </a:rPr>
+              <a:rPr lang="ru-RU" sz="2000" dirty="0"/>
               <a:t>Учитель информатики ГБОУ Школа № 1158</a:t>
             </a:r>
           </a:p>
@@ -5612,7 +5596,7 @@
           <a:p>
             <a:r>
               <a:rPr lang="ru-RU" dirty="0"/>
-              <a:t>Выводы</a:t>
+              <a:t>Тестирование (нагрузочное)</a:t>
             </a:r>
           </a:p>
         </p:txBody>
@@ -5624,13 +5608,13 @@
             <a:spLocks noGrp="1"/>
           </p:cNvSpPr>
           <p:nvPr>
-            <p:ph sz="half" idx="1"/>
+            <p:ph idx="1"/>
           </p:nvPr>
         </p:nvSpPr>
         <p:spPr>
           <a:xfrm>
-            <a:off x="251520" y="2276872"/>
-            <a:ext cx="5915000" cy="4248472"/>
+            <a:off x="810001" y="2222290"/>
+            <a:ext cx="7524003" cy="4015025"/>
           </a:xfrm>
         </p:spPr>
         <p:txBody>
@@ -5644,70 +5628,20 @@
             </a:pPr>
             <a:r>
               <a:rPr lang="ru-RU" sz="2400" dirty="0"/>
-              <a:t>В результате проекта </a:t>
-            </a:r>
-            <a:r>
-              <a:rPr lang="ru-RU" sz="2400" dirty="0" smtClean="0"/>
-              <a:t>разработана и протестирована  онлайн </a:t>
+              <a:t>Нагрузочное тестирование проведено с помощью приложения Apache J</a:t>
+            </a:r>
+            <a:r>
+              <a:rPr lang="en-US" sz="2400" dirty="0"/>
+              <a:t>m</a:t>
+            </a:r>
+            <a:r>
+              <a:rPr lang="ru-RU" sz="2400" dirty="0" err="1"/>
+              <a:t>eter</a:t>
             </a:r>
             <a:r>
               <a:rPr lang="ru-RU" sz="2400" dirty="0"/>
-              <a:t>система «</a:t>
-            </a:r>
-            <a:r>
-              <a:rPr lang="ru-RU" sz="2400" dirty="0" err="1"/>
-              <a:t>Целевик</a:t>
-            </a:r>
-            <a:r>
-              <a:rPr lang="ru-RU" sz="2400" dirty="0"/>
-              <a:t>» (</a:t>
-            </a:r>
-            <a:r>
-              <a:rPr lang="ru-RU" sz="2400" u="sng" dirty="0">
-                <a:hlinkClick r:id="rId2"/>
-              </a:rPr>
-              <a:t>https://celevik.site/</a:t>
-            </a:r>
-            <a:r>
-              <a:rPr lang="ru-RU" sz="2400" dirty="0"/>
-              <a:t>). </a:t>
-            </a:r>
-            <a:endParaRPr lang="ru-RU" sz="2400" dirty="0" smtClean="0"/>
-          </a:p>
-          <a:p>
-            <a:pPr marL="0" indent="0">
-              <a:buNone/>
-            </a:pPr>
-            <a:r>
-              <a:rPr lang="ru-RU" sz="2400" dirty="0" smtClean="0"/>
-              <a:t>Данная </a:t>
-            </a:r>
-            <a:r>
-              <a:rPr lang="ru-RU" sz="2400" dirty="0"/>
-              <a:t>система предоставляет новые возможности как работодателям, так и абитуриентам</a:t>
-            </a:r>
-            <a:r>
-              <a:rPr lang="ru-RU" sz="2400" dirty="0" smtClean="0"/>
-              <a:t>.</a:t>
-            </a:r>
-          </a:p>
-          <a:p>
-            <a:pPr marL="0" indent="0">
-              <a:buNone/>
-            </a:pPr>
-            <a:r>
-              <a:rPr lang="ru-RU" sz="2400" dirty="0"/>
-              <a:t>Планируется дальнейшее развитие проекта в виде создание мобильного приложения «</a:t>
-            </a:r>
-            <a:r>
-              <a:rPr lang="ru-RU" sz="2400" dirty="0" err="1"/>
-              <a:t>Целевик</a:t>
-            </a:r>
-            <a:r>
-              <a:rPr lang="ru-RU" sz="2400" dirty="0" smtClean="0"/>
-              <a:t>».</a:t>
-            </a:r>
-            <a:endParaRPr lang="ru-RU" sz="2400" dirty="0"/>
+              <a:t>. </a:t>
+            </a:r>
           </a:p>
           <a:p>
             <a:pPr marL="0" indent="0">
@@ -5715,41 +5649,42 @@
             </a:pPr>
             <a:endParaRPr lang="ru-RU" sz="2400" dirty="0"/>
           </a:p>
-        </p:txBody>
-      </p:sp>
-      <p:pic>
-        <p:nvPicPr>
-          <p:cNvPr id="5" name="Объект 4"/>
-          <p:cNvPicPr>
-            <a:picLocks noGrp="1" noChangeAspect="1"/>
-          </p:cNvPicPr>
-          <p:nvPr>
-            <p:ph sz="half" idx="2"/>
-          </p:nvPr>
-        </p:nvPicPr>
-        <p:blipFill>
-          <a:blip r:embed="rId3" cstate="print">
-            <a:extLst>
-              <a:ext uri="{28A0092B-C50C-407E-A947-70E740481C1C}">
-                <a14:useLocalDpi xmlns:a14="http://schemas.microsoft.com/office/drawing/2010/main" val="0"/>
-              </a:ext>
-            </a:extLst>
-          </a:blip>
-          <a:stretch>
-            <a:fillRect/>
-          </a:stretch>
-        </p:blipFill>
-        <p:spPr>
-          <a:xfrm>
-            <a:off x="6372200" y="2996952"/>
-            <a:ext cx="2438400" cy="2438400"/>
-          </a:xfrm>
-        </p:spPr>
-      </p:pic>
+          <a:p>
+            <a:pPr lvl="0">
+              <a:buFont typeface="Wingdings" panose="05000000000000000000" pitchFamily="2" charset="2"/>
+              <a:buChar char="q"/>
+            </a:pPr>
+            <a:r>
+              <a:rPr lang="ru-RU" sz="2400" dirty="0"/>
+              <a:t>Было сделано 6000 запросов по адресу сайта</a:t>
+            </a:r>
+          </a:p>
+          <a:p>
+            <a:pPr lvl="0">
+              <a:buFont typeface="Wingdings" panose="05000000000000000000" pitchFamily="2" charset="2"/>
+              <a:buChar char="q"/>
+            </a:pPr>
+            <a:r>
+              <a:rPr lang="ru-RU" sz="2400" dirty="0"/>
+              <a:t>Среднее время ответа составило 0.065 секунды</a:t>
+            </a:r>
+          </a:p>
+          <a:p>
+            <a:pPr lvl="0">
+              <a:buFont typeface="Wingdings" panose="05000000000000000000" pitchFamily="2" charset="2"/>
+              <a:buChar char="q"/>
+            </a:pPr>
+            <a:r>
+              <a:rPr lang="ru-RU" sz="2400" dirty="0"/>
+              <a:t>количество ошибок в процентах, которые вернул сервер (0.05%)</a:t>
+            </a:r>
+          </a:p>
+        </p:txBody>
+      </p:sp>
     </p:spTree>
     <p:extLst>
       <p:ext uri="{BB962C8B-B14F-4D97-AF65-F5344CB8AC3E}">
-        <p14:creationId xmlns:p14="http://schemas.microsoft.com/office/powerpoint/2010/main" val="296164495"/>
+        <p14:creationId xmlns:p14="http://schemas.microsoft.com/office/powerpoint/2010/main" val="2263056011"/>
       </p:ext>
     </p:extLst>
   </p:cSld>
@@ -5783,6 +5718,169 @@
             <a:spLocks noGrp="1"/>
           </p:cNvSpPr>
           <p:nvPr>
+            <p:ph type="title"/>
+          </p:nvPr>
+        </p:nvSpPr>
+        <p:spPr/>
+        <p:txBody>
+          <a:bodyPr/>
+          <a:lstStyle/>
+          <a:p>
+            <a:r>
+              <a:rPr lang="ru-RU" dirty="0"/>
+              <a:t>Выводы</a:t>
+            </a:r>
+          </a:p>
+        </p:txBody>
+      </p:sp>
+      <p:sp>
+        <p:nvSpPr>
+          <p:cNvPr id="3" name="Объект 2"/>
+          <p:cNvSpPr>
+            <a:spLocks noGrp="1"/>
+          </p:cNvSpPr>
+          <p:nvPr>
+            <p:ph sz="half" idx="1"/>
+          </p:nvPr>
+        </p:nvSpPr>
+        <p:spPr>
+          <a:xfrm>
+            <a:off x="251520" y="2276872"/>
+            <a:ext cx="5915000" cy="4248472"/>
+          </a:xfrm>
+        </p:spPr>
+        <p:txBody>
+          <a:bodyPr>
+            <a:normAutofit/>
+          </a:bodyPr>
+          <a:lstStyle/>
+          <a:p>
+            <a:pPr marL="0" indent="0">
+              <a:buNone/>
+            </a:pPr>
+            <a:r>
+              <a:rPr lang="ru-RU" sz="2400" dirty="0"/>
+              <a:t>В результате проекта разработана и протестирована онлайн система «</a:t>
+            </a:r>
+            <a:r>
+              <a:rPr lang="ru-RU" sz="2400" dirty="0" err="1"/>
+              <a:t>Целевик</a:t>
+            </a:r>
+            <a:r>
+              <a:rPr lang="ru-RU" sz="2400" dirty="0"/>
+              <a:t>» (</a:t>
+            </a:r>
+            <a:r>
+              <a:rPr lang="ru-RU" sz="2400" u="sng" dirty="0">
+                <a:hlinkClick r:id="rId2"/>
+              </a:rPr>
+              <a:t>https://celevik.site/</a:t>
+            </a:r>
+            <a:r>
+              <a:rPr lang="ru-RU" sz="2400" dirty="0"/>
+              <a:t>). </a:t>
+            </a:r>
+          </a:p>
+          <a:p>
+            <a:pPr marL="0" indent="0">
+              <a:buNone/>
+            </a:pPr>
+            <a:r>
+              <a:rPr lang="ru-RU" sz="2400" dirty="0"/>
+              <a:t>Данная система предоставляет новые возможности как работодателям, так и абитуриентам.</a:t>
+            </a:r>
+          </a:p>
+          <a:p>
+            <a:pPr marL="0" indent="0">
+              <a:buNone/>
+            </a:pPr>
+            <a:r>
+              <a:rPr lang="ru-RU" sz="2400" dirty="0"/>
+              <a:t>Планируется дальнейшее развитие проекта в виде создание мобильного приложения «</a:t>
+            </a:r>
+            <a:r>
+              <a:rPr lang="ru-RU" sz="2400" dirty="0" err="1"/>
+              <a:t>Целевик</a:t>
+            </a:r>
+            <a:r>
+              <a:rPr lang="ru-RU" sz="2400" dirty="0"/>
+              <a:t>».</a:t>
+            </a:r>
+          </a:p>
+          <a:p>
+            <a:pPr marL="0" indent="0">
+              <a:buNone/>
+            </a:pPr>
+            <a:endParaRPr lang="ru-RU" sz="2400" dirty="0"/>
+          </a:p>
+        </p:txBody>
+      </p:sp>
+      <p:pic>
+        <p:nvPicPr>
+          <p:cNvPr id="5" name="Объект 4"/>
+          <p:cNvPicPr>
+            <a:picLocks noGrp="1" noChangeAspect="1"/>
+          </p:cNvPicPr>
+          <p:nvPr>
+            <p:ph sz="half" idx="2"/>
+          </p:nvPr>
+        </p:nvPicPr>
+        <p:blipFill>
+          <a:blip r:embed="rId3" cstate="print">
+            <a:extLst>
+              <a:ext uri="{28A0092B-C50C-407E-A947-70E740481C1C}">
+                <a14:useLocalDpi xmlns:a14="http://schemas.microsoft.com/office/drawing/2010/main" val="0"/>
+              </a:ext>
+            </a:extLst>
+          </a:blip>
+          <a:stretch>
+            <a:fillRect/>
+          </a:stretch>
+        </p:blipFill>
+        <p:spPr>
+          <a:xfrm>
+            <a:off x="6454080" y="2780928"/>
+            <a:ext cx="2438400" cy="2438400"/>
+          </a:xfrm>
+        </p:spPr>
+      </p:pic>
+    </p:spTree>
+    <p:extLst>
+      <p:ext uri="{BB962C8B-B14F-4D97-AF65-F5344CB8AC3E}">
+        <p14:creationId xmlns:p14="http://schemas.microsoft.com/office/powerpoint/2010/main" val="296164495"/>
+      </p:ext>
+    </p:extLst>
+  </p:cSld>
+  <p:clrMapOvr>
+    <a:masterClrMapping/>
+  </p:clrMapOvr>
+</p:sld>
+</file>
+
+<file path=ppt/slides/slide12.xml><?xml version="1.0" encoding="utf-8"?>
+<p:sld xmlns:a="http://schemas.openxmlformats.org/drawingml/2006/main" xmlns:r="http://schemas.openxmlformats.org/officeDocument/2006/relationships" xmlns:p="http://schemas.openxmlformats.org/presentationml/2006/main">
+  <p:cSld>
+    <p:spTree>
+      <p:nvGrpSpPr>
+        <p:cNvPr id="1" name=""/>
+        <p:cNvGrpSpPr/>
+        <p:nvPr/>
+      </p:nvGrpSpPr>
+      <p:grpSpPr>
+        <a:xfrm>
+          <a:off x="0" y="0"/>
+          <a:ext cx="0" cy="0"/>
+          <a:chOff x="0" y="0"/>
+          <a:chExt cx="0" cy="0"/>
+        </a:xfrm>
+      </p:grpSpPr>
+      <p:sp>
+        <p:nvSpPr>
+          <p:cNvPr id="2" name="Заголовок 1"/>
+          <p:cNvSpPr>
+            <a:spLocks noGrp="1"/>
+          </p:cNvSpPr>
+          <p:nvPr>
             <p:ph type="ctrTitle"/>
           </p:nvPr>
         </p:nvSpPr>
@@ -5803,6 +5901,42 @@
           </a:p>
         </p:txBody>
       </p:sp>
+      <p:pic>
+        <p:nvPicPr>
+          <p:cNvPr id="4" name="Рисунок 3">
+            <a:extLst>
+              <a:ext uri="{FF2B5EF4-FFF2-40B4-BE49-F238E27FC236}">
+                <a16:creationId xmlns:a16="http://schemas.microsoft.com/office/drawing/2014/main" id="{9964BDE4-ADBC-4D18-952A-671584298AAD}"/>
+              </a:ext>
+            </a:extLst>
+          </p:cNvPr>
+          <p:cNvPicPr>
+            <a:picLocks noChangeAspect="1"/>
+          </p:cNvPicPr>
+          <p:nvPr/>
+        </p:nvPicPr>
+        <p:blipFill>
+          <a:blip r:embed="rId2">
+            <a:extLst>
+              <a:ext uri="{28A0092B-C50C-407E-A947-70E740481C1C}">
+                <a14:useLocalDpi xmlns:a14="http://schemas.microsoft.com/office/drawing/2010/main" val="0"/>
+              </a:ext>
+            </a:extLst>
+          </a:blip>
+          <a:stretch>
+            <a:fillRect/>
+          </a:stretch>
+        </p:blipFill>
+        <p:spPr>
+          <a:xfrm>
+            <a:off x="6000311" y="3714311"/>
+            <a:ext cx="3143689" cy="3143689"/>
+          </a:xfrm>
+          <a:prstGeom prst="rect">
+            <a:avLst/>
+          </a:prstGeom>
+        </p:spPr>
+      </p:pic>
     </p:spTree>
     <p:extLst>
       <p:ext uri="{BB962C8B-B14F-4D97-AF65-F5344CB8AC3E}">
@@ -5867,8 +6001,8 @@
         </p:nvSpPr>
         <p:spPr>
           <a:xfrm>
-            <a:off x="179512" y="2221332"/>
-            <a:ext cx="5688632" cy="4520035"/>
+            <a:off x="94497" y="2204864"/>
+            <a:ext cx="5629632" cy="4536504"/>
           </a:xfrm>
         </p:spPr>
         <p:txBody>
@@ -5877,30 +6011,45 @@
           </a:bodyPr>
           <a:lstStyle/>
           <a:p>
-            <a:pPr marL="0" indent="0">
-              <a:buNone/>
+            <a:pPr>
+              <a:buFont typeface="Wingdings" panose="05000000000000000000" pitchFamily="2" charset="2"/>
+              <a:buChar char="q"/>
             </a:pPr>
             <a:r>
-              <a:rPr lang="ru-RU" sz="1900" dirty="0"/>
-              <a:t>Отсутствие единой системы  быстрого  и актуального поиска предложений организаций по целевому обучению создает проблемы и абитуриенту и организациям.  </a:t>
-            </a:r>
-          </a:p>
-          <a:p>
-            <a:pPr marL="0" indent="0">
-              <a:buNone/>
+              <a:rPr lang="ru-RU" sz="2800" dirty="0">
+                <a:ea typeface="Calibri" panose="020F0502020204030204" pitchFamily="34" charset="0"/>
+                <a:cs typeface="Times New Roman" panose="02020603050405020304" pitchFamily="18" charset="0"/>
+              </a:rPr>
+              <a:t>О</a:t>
+            </a:r>
+            <a:r>
+              <a:rPr lang="ru-RU" sz="2800" dirty="0">
+                <a:effectLst/>
+                <a:ea typeface="Calibri" panose="020F0502020204030204" pitchFamily="34" charset="0"/>
+                <a:cs typeface="Times New Roman" panose="02020603050405020304" pitchFamily="18" charset="0"/>
+              </a:rPr>
+              <a:t>тсутствие единой системы</a:t>
+            </a:r>
+          </a:p>
+          <a:p>
+            <a:pPr>
+              <a:buFont typeface="Wingdings" panose="05000000000000000000" pitchFamily="2" charset="2"/>
+              <a:buChar char="q"/>
             </a:pPr>
             <a:r>
-              <a:rPr lang="ru-RU" sz="1900" dirty="0"/>
-              <a:t>Абитуриент, желающий заключить договор целевого обучения вынужден тратить много времени на поиск информации на различных сайтах компаний и вузов.</a:t>
-            </a:r>
-          </a:p>
-          <a:p>
-            <a:pPr marL="0" indent="0">
-              <a:buNone/>
+              <a:rPr lang="ru-RU" sz="2800" dirty="0"/>
+              <a:t>Большие затраты времени</a:t>
+            </a:r>
+            <a:endParaRPr lang="en-US" sz="2800" dirty="0"/>
+          </a:p>
+          <a:p>
+            <a:pPr>
+              <a:buFont typeface="Wingdings" panose="05000000000000000000" pitchFamily="2" charset="2"/>
+              <a:buChar char="q"/>
             </a:pPr>
             <a:r>
-              <a:rPr lang="ru-RU" sz="1900" dirty="0"/>
-              <a:t>При этом во многих организациях наблюдается дефицит квалифицированных кадров. Данные организации готовы заключать договоры на целевое обучение, но у них не так широк выбор соискателей.</a:t>
+              <a:rPr lang="ru-RU" sz="2800" dirty="0"/>
+              <a:t>Дефицит квалифицированных кадров</a:t>
             </a:r>
           </a:p>
         </p:txBody>
@@ -5929,7 +6078,7 @@
         </p:blipFill>
         <p:spPr>
           <a:xfrm>
-            <a:off x="5868144" y="2420888"/>
+            <a:off x="5843318" y="3486477"/>
             <a:ext cx="3174174" cy="1973278"/>
           </a:xfrm>
         </p:spPr>
@@ -6042,8 +6191,8 @@
         </p:blipFill>
         <p:spPr>
           <a:xfrm>
-            <a:off x="5579169" y="2636912"/>
-            <a:ext cx="3385319" cy="3385319"/>
+            <a:off x="5609425" y="2636912"/>
+            <a:ext cx="3383280" cy="3383280"/>
           </a:xfrm>
         </p:spPr>
       </p:pic>
@@ -6111,8 +6260,8 @@
         </p:nvSpPr>
         <p:spPr>
           <a:xfrm>
-            <a:off x="251520" y="2564904"/>
-            <a:ext cx="6624736" cy="4104456"/>
+            <a:off x="179512" y="2456674"/>
+            <a:ext cx="6588623" cy="4392488"/>
           </a:xfrm>
         </p:spPr>
         <p:txBody>
@@ -6126,7 +6275,7 @@
             </a:pPr>
             <a:r>
               <a:rPr lang="ru-RU" sz="2400" dirty="0"/>
-              <a:t>В результате работы над данной проблемой мной была разработана онлайн система «</a:t>
+              <a:t>Разработана онлайн система «</a:t>
             </a:r>
             <a:r>
               <a:rPr lang="ru-RU" sz="2400" dirty="0" err="1"/>
@@ -6134,7 +6283,16 @@
             </a:r>
             <a:r>
               <a:rPr lang="ru-RU" sz="2400" dirty="0"/>
-              <a:t>», позволяющая осуществить подбор целевого обучения по заданным параметрам. Интерфейсом системы является веб-сайт. Интерфейс позволяет в интерактивном режиме осуществлять абитуриентам поиск вакансий целевого обучения, а компаниям отбирать наиболее подходящих им претендентов на целевое обучение. </a:t>
+              <a:t>», позволяющая осуществить подбор целевого обучения по заданным параметрам. </a:t>
+            </a:r>
+          </a:p>
+          <a:p>
+            <a:pPr marL="0" indent="0">
+              <a:buNone/>
+            </a:pPr>
+            <a:r>
+              <a:rPr lang="ru-RU" sz="2400" dirty="0"/>
+              <a:t>Интерфейсом системы является веб-сайт. Интерфейс позволяет осуществлять абитуриентам поиск вакансий целевого обучения, а компаниям отбирать наиболее подходящих им претендентов на целевое обучение. </a:t>
             </a:r>
           </a:p>
           <a:p>
@@ -6166,8 +6324,8 @@
         </p:blipFill>
         <p:spPr>
           <a:xfrm>
-            <a:off x="6804248" y="3645024"/>
-            <a:ext cx="2244080" cy="1562055"/>
+            <a:off x="6768135" y="3573016"/>
+            <a:ext cx="2315206" cy="1562868"/>
           </a:xfrm>
         </p:spPr>
       </p:pic>
@@ -6237,7 +6395,7 @@
         </p:nvSpPr>
         <p:spPr>
           <a:xfrm>
-            <a:off x="809997" y="2222286"/>
+            <a:off x="810001" y="2222290"/>
             <a:ext cx="7524003" cy="4087033"/>
           </a:xfrm>
         </p:spPr>
@@ -6247,8 +6405,9 @@
           </a:bodyPr>
           <a:lstStyle/>
           <a:p>
-            <a:pPr marL="0" indent="0">
-              <a:buNone/>
+            <a:pPr>
+              <a:buFont typeface="Wingdings" panose="05000000000000000000" pitchFamily="2" charset="2"/>
+              <a:buChar char="q"/>
             </a:pPr>
             <a:r>
               <a:rPr lang="ru-RU" sz="2400" dirty="0"/>
@@ -6260,12 +6419,13 @@
             </a:r>
             <a:r>
               <a:rPr lang="ru-RU" sz="2400" dirty="0"/>
-              <a:t> благодаря своей быстроте и  безопасности, а также из-за использования языка Python.</a:t>
-            </a:r>
-          </a:p>
-          <a:p>
-            <a:pPr marL="0" indent="0">
-              <a:buNone/>
+              <a:t> благодаря своей быстроте и  безопасности.</a:t>
+            </a:r>
+          </a:p>
+          <a:p>
+            <a:pPr>
+              <a:buFont typeface="Wingdings" panose="05000000000000000000" pitchFamily="2" charset="2"/>
+              <a:buChar char="q"/>
             </a:pPr>
             <a:r>
               <a:rPr lang="ru-RU" sz="2400" dirty="0"/>
@@ -6285,8 +6445,9 @@
             </a:r>
           </a:p>
           <a:p>
-            <a:pPr marL="0" indent="0">
-              <a:buNone/>
+            <a:pPr>
+              <a:buFont typeface="Wingdings" panose="05000000000000000000" pitchFamily="2" charset="2"/>
+              <a:buChar char="q"/>
             </a:pPr>
             <a:r>
               <a:rPr lang="ru-RU" sz="2400" dirty="0"/>
@@ -6350,38 +6511,131 @@
           <a:p>
             <a:r>
               <a:rPr lang="ru-RU" sz="3600" dirty="0"/>
-              <a:t>Интерфейс </a:t>
-            </a:r>
-            <a:r>
-              <a:rPr lang="ru-RU" sz="3600" dirty="0" smtClean="0"/>
-              <a:t>проекта (Администратор)</a:t>
-            </a:r>
-            <a:endParaRPr lang="ru-RU" sz="3600" dirty="0"/>
-          </a:p>
-        </p:txBody>
-      </p:sp>
-      <p:sp>
-        <p:nvSpPr>
-          <p:cNvPr id="3" name="Объект 2"/>
-          <p:cNvSpPr>
-            <a:spLocks noGrp="1"/>
-          </p:cNvSpPr>
-          <p:nvPr>
-            <p:ph idx="1"/>
-          </p:nvPr>
-        </p:nvSpPr>
-        <p:spPr/>
-        <p:txBody>
-          <a:bodyPr/>
-          <a:lstStyle/>
-          <a:p>
-            <a:pPr marL="0" indent="0">
-              <a:buNone/>
-            </a:pPr>
-            <a:endParaRPr lang="ru-RU" dirty="0"/>
-          </a:p>
-        </p:txBody>
-      </p:sp>
+              <a:t>Интерфейс проекта (Администратор)</a:t>
+            </a:r>
+          </a:p>
+        </p:txBody>
+      </p:sp>
+      <p:pic>
+        <p:nvPicPr>
+          <p:cNvPr id="5" name="Рисунок 4">
+            <a:extLst>
+              <a:ext uri="{FF2B5EF4-FFF2-40B4-BE49-F238E27FC236}">
+                <a16:creationId xmlns:a16="http://schemas.microsoft.com/office/drawing/2014/main" id="{A4996A15-9452-445B-8F35-51BBA89AF47A}"/>
+              </a:ext>
+            </a:extLst>
+          </p:cNvPr>
+          <p:cNvPicPr>
+            <a:picLocks noChangeAspect="1"/>
+          </p:cNvPicPr>
+          <p:nvPr/>
+        </p:nvPicPr>
+        <p:blipFill>
+          <a:blip r:embed="rId2"/>
+          <a:stretch>
+            <a:fillRect/>
+          </a:stretch>
+        </p:blipFill>
+        <p:spPr>
+          <a:xfrm>
+            <a:off x="139016" y="3068960"/>
+            <a:ext cx="4313062" cy="3377764"/>
+          </a:xfrm>
+          <a:prstGeom prst="rect">
+            <a:avLst/>
+          </a:prstGeom>
+          <a:ln>
+            <a:noFill/>
+          </a:ln>
+          <a:effectLst>
+            <a:outerShdw blurRad="292100" dist="139700" dir="2700000" algn="tl" rotWithShape="0">
+              <a:srgbClr val="333333">
+                <a:alpha val="65000"/>
+              </a:srgbClr>
+            </a:outerShdw>
+          </a:effectLst>
+        </p:spPr>
+      </p:pic>
+      <p:pic>
+        <p:nvPicPr>
+          <p:cNvPr id="9" name="Рисунок 8">
+            <a:extLst>
+              <a:ext uri="{FF2B5EF4-FFF2-40B4-BE49-F238E27FC236}">
+                <a16:creationId xmlns:a16="http://schemas.microsoft.com/office/drawing/2014/main" id="{07C76C6E-31CD-49DF-B5D0-CCEA1C010898}"/>
+              </a:ext>
+            </a:extLst>
+          </p:cNvPr>
+          <p:cNvPicPr>
+            <a:picLocks noChangeAspect="1"/>
+          </p:cNvPicPr>
+          <p:nvPr/>
+        </p:nvPicPr>
+        <p:blipFill>
+          <a:blip r:embed="rId3"/>
+          <a:stretch>
+            <a:fillRect/>
+          </a:stretch>
+        </p:blipFill>
+        <p:spPr>
+          <a:xfrm>
+            <a:off x="4647786" y="3071051"/>
+            <a:ext cx="4313062" cy="3375673"/>
+          </a:xfrm>
+          <a:prstGeom prst="rect">
+            <a:avLst/>
+          </a:prstGeom>
+          <a:ln>
+            <a:noFill/>
+          </a:ln>
+          <a:effectLst>
+            <a:outerShdw blurRad="292100" dist="139700" dir="2700000" algn="tl" rotWithShape="0">
+              <a:srgbClr val="333333">
+                <a:alpha val="65000"/>
+              </a:srgbClr>
+            </a:outerShdw>
+          </a:effectLst>
+        </p:spPr>
+      </p:pic>
+      <p:pic>
+        <p:nvPicPr>
+          <p:cNvPr id="7" name="Рисунок 6">
+            <a:extLst>
+              <a:ext uri="{FF2B5EF4-FFF2-40B4-BE49-F238E27FC236}">
+                <a16:creationId xmlns:a16="http://schemas.microsoft.com/office/drawing/2014/main" id="{F021C1FA-DEC1-46DE-AEB2-FBBCE4B7313A}"/>
+              </a:ext>
+            </a:extLst>
+          </p:cNvPr>
+          <p:cNvPicPr>
+            <a:picLocks noChangeAspect="1"/>
+          </p:cNvPicPr>
+          <p:nvPr/>
+        </p:nvPicPr>
+        <p:blipFill>
+          <a:blip r:embed="rId4"/>
+          <a:stretch>
+            <a:fillRect/>
+          </a:stretch>
+        </p:blipFill>
+        <p:spPr>
+          <a:xfrm>
+            <a:off x="2295547" y="2060848"/>
+            <a:ext cx="4482624" cy="3507778"/>
+          </a:xfrm>
+          <a:prstGeom prst="rect">
+            <a:avLst/>
+          </a:prstGeom>
+          <a:ln>
+            <a:noFill/>
+          </a:ln>
+          <a:effectLst>
+            <a:outerShdw blurRad="292100" dist="139700" dir="2700000" algn="tl" rotWithShape="0">
+              <a:srgbClr val="333333">
+                <a:alpha val="65000"/>
+              </a:srgbClr>
+            </a:outerShdw>
+          </a:effectLst>
+        </p:spPr>
+      </p:pic>
     </p:spTree>
     <p:extLst>
       <p:ext uri="{BB962C8B-B14F-4D97-AF65-F5344CB8AC3E}">
@@ -6412,6 +6666,46 @@
           <a:chExt cx="0" cy="0"/>
         </a:xfrm>
       </p:grpSpPr>
+      <p:pic>
+        <p:nvPicPr>
+          <p:cNvPr id="14" name="Рисунок 13">
+            <a:extLst>
+              <a:ext uri="{FF2B5EF4-FFF2-40B4-BE49-F238E27FC236}">
+                <a16:creationId xmlns:a16="http://schemas.microsoft.com/office/drawing/2014/main" id="{23C6F6C1-B009-4DD8-B76A-61FC3A75A83E}"/>
+              </a:ext>
+            </a:extLst>
+          </p:cNvPr>
+          <p:cNvPicPr>
+            <a:picLocks noChangeAspect="1"/>
+          </p:cNvPicPr>
+          <p:nvPr/>
+        </p:nvPicPr>
+        <p:blipFill>
+          <a:blip r:embed="rId2"/>
+          <a:stretch>
+            <a:fillRect/>
+          </a:stretch>
+        </p:blipFill>
+        <p:spPr>
+          <a:xfrm>
+            <a:off x="4715023" y="3159920"/>
+            <a:ext cx="4298043" cy="3365424"/>
+          </a:xfrm>
+          <a:prstGeom prst="rect">
+            <a:avLst/>
+          </a:prstGeom>
+          <a:ln>
+            <a:noFill/>
+          </a:ln>
+          <a:effectLst>
+            <a:outerShdw blurRad="292100" dist="139700" dir="2700000" algn="tl" rotWithShape="0">
+              <a:srgbClr val="333333">
+                <a:alpha val="65000"/>
+              </a:srgbClr>
+            </a:outerShdw>
+          </a:effectLst>
+        </p:spPr>
+      </p:pic>
       <p:sp>
         <p:nvSpPr>
           <p:cNvPr id="2" name="Заголовок 1"/>
@@ -6422,7 +6716,12 @@
             <p:ph type="title"/>
           </p:nvPr>
         </p:nvSpPr>
-        <p:spPr/>
+        <p:spPr>
+          <a:xfrm>
+            <a:off x="809999" y="332656"/>
+            <a:ext cx="7524003" cy="1084982"/>
+          </a:xfrm>
+        </p:spPr>
         <p:txBody>
           <a:bodyPr/>
           <a:lstStyle/>
@@ -6431,117 +6730,94 @@
               <a:rPr lang="ru-RU" dirty="0"/>
               <a:t>Интерфейс проекта</a:t>
             </a:r>
-          </a:p>
-        </p:txBody>
-      </p:sp>
-      <p:sp>
-        <p:nvSpPr>
-          <p:cNvPr id="3" name="Текст 2"/>
-          <p:cNvSpPr>
-            <a:spLocks noGrp="1"/>
-          </p:cNvSpPr>
-          <p:nvPr>
-            <p:ph type="body" idx="1"/>
-          </p:nvPr>
-        </p:nvSpPr>
+            <a:r>
+              <a:rPr lang="ru-RU" sz="4000" dirty="0"/>
+              <a:t> (Соискатель)</a:t>
+            </a:r>
+            <a:endParaRPr lang="ru-RU" dirty="0"/>
+          </a:p>
+        </p:txBody>
+      </p:sp>
+      <p:pic>
+        <p:nvPicPr>
+          <p:cNvPr id="16" name="Рисунок 15">
+            <a:extLst>
+              <a:ext uri="{FF2B5EF4-FFF2-40B4-BE49-F238E27FC236}">
+                <a16:creationId xmlns:a16="http://schemas.microsoft.com/office/drawing/2014/main" id="{DD00DE5A-7BA3-4670-903C-7E4CD9524A17}"/>
+              </a:ext>
+            </a:extLst>
+          </p:cNvPr>
+          <p:cNvPicPr>
+            <a:picLocks noChangeAspect="1"/>
+          </p:cNvPicPr>
+          <p:nvPr/>
+        </p:nvPicPr>
+        <p:blipFill>
+          <a:blip r:embed="rId3"/>
+          <a:stretch>
+            <a:fillRect/>
+          </a:stretch>
+        </p:blipFill>
         <p:spPr>
           <a:xfrm>
-            <a:off x="612402" y="2276872"/>
-            <a:ext cx="3670723" cy="576262"/>
+            <a:off x="130936" y="3159920"/>
+            <a:ext cx="4298043" cy="3364845"/>
           </a:xfrm>
+          <a:prstGeom prst="rect">
+            <a:avLst/>
+          </a:prstGeom>
+          <a:ln>
+            <a:noFill/>
+          </a:ln>
+          <a:effectLst>
+            <a:outerShdw blurRad="292100" dist="139700" dir="2700000" algn="tl" rotWithShape="0">
+              <a:srgbClr val="333333">
+                <a:alpha val="65000"/>
+              </a:srgbClr>
+            </a:outerShdw>
+          </a:effectLst>
         </p:spPr>
-        <p:txBody>
-          <a:bodyPr>
-            <a:normAutofit fontScale="70000" lnSpcReduction="20000"/>
-          </a:bodyPr>
-          <a:lstStyle/>
-          <a:p>
-            <a:r>
-              <a:rPr lang="ru-RU" dirty="0"/>
-              <a:t>Подсистема </a:t>
-            </a:r>
-          </a:p>
-          <a:p>
-            <a:r>
-              <a:rPr lang="ru-RU" dirty="0"/>
-              <a:t>«Профиль Соискателя»</a:t>
-            </a:r>
-          </a:p>
-        </p:txBody>
-      </p:sp>
-      <p:sp>
-        <p:nvSpPr>
-          <p:cNvPr id="5" name="Текст 4"/>
-          <p:cNvSpPr>
-            <a:spLocks noGrp="1"/>
-          </p:cNvSpPr>
-          <p:nvPr>
-            <p:ph type="body" sz="quarter" idx="3"/>
-          </p:nvPr>
-        </p:nvSpPr>
+      </p:pic>
+      <p:pic>
+        <p:nvPicPr>
+          <p:cNvPr id="11" name="Рисунок 10">
+            <a:extLst>
+              <a:ext uri="{FF2B5EF4-FFF2-40B4-BE49-F238E27FC236}">
+                <a16:creationId xmlns:a16="http://schemas.microsoft.com/office/drawing/2014/main" id="{A89763FD-393C-43A0-BF7E-3B6BC29FFD99}"/>
+              </a:ext>
+            </a:extLst>
+          </p:cNvPr>
+          <p:cNvPicPr>
+            <a:picLocks noChangeAspect="1"/>
+          </p:cNvPicPr>
+          <p:nvPr/>
+        </p:nvPicPr>
+        <p:blipFill>
+          <a:blip r:embed="rId4"/>
+          <a:stretch>
+            <a:fillRect/>
+          </a:stretch>
+        </p:blipFill>
         <p:spPr>
           <a:xfrm>
-            <a:off x="4997637" y="2276872"/>
-            <a:ext cx="3670720" cy="576262"/>
+            <a:off x="2331001" y="2204864"/>
+            <a:ext cx="4482000" cy="3514442"/>
           </a:xfrm>
+          <a:prstGeom prst="rect">
+            <a:avLst/>
+          </a:prstGeom>
+          <a:ln>
+            <a:noFill/>
+          </a:ln>
+          <a:effectLst>
+            <a:outerShdw blurRad="292100" dist="139700" dir="2700000" algn="tl" rotWithShape="0">
+              <a:srgbClr val="333333">
+                <a:alpha val="65000"/>
+              </a:srgbClr>
+            </a:outerShdw>
+          </a:effectLst>
         </p:spPr>
-        <p:txBody>
-          <a:bodyPr>
-            <a:normAutofit fontScale="70000" lnSpcReduction="20000"/>
-          </a:bodyPr>
-          <a:lstStyle/>
-          <a:p>
-            <a:r>
-              <a:rPr lang="ru-RU" dirty="0"/>
-              <a:t>Подсистема </a:t>
-            </a:r>
-          </a:p>
-          <a:p>
-            <a:r>
-              <a:rPr lang="ru-RU" dirty="0"/>
-              <a:t> «Профиль  Организации»</a:t>
-            </a:r>
-          </a:p>
-        </p:txBody>
-      </p:sp>
-      <p:sp>
-        <p:nvSpPr>
-          <p:cNvPr id="4" name="Объект 3"/>
-          <p:cNvSpPr>
-            <a:spLocks noGrp="1"/>
-          </p:cNvSpPr>
-          <p:nvPr>
-            <p:ph sz="half" idx="2"/>
-          </p:nvPr>
-        </p:nvSpPr>
-        <p:spPr/>
-        <p:txBody>
-          <a:bodyPr/>
-          <a:lstStyle/>
-          <a:p>
-            <a:endParaRPr lang="ru-RU"/>
-          </a:p>
-        </p:txBody>
-      </p:sp>
-      <p:sp>
-        <p:nvSpPr>
-          <p:cNvPr id="6" name="Объект 5"/>
-          <p:cNvSpPr>
-            <a:spLocks noGrp="1"/>
-          </p:cNvSpPr>
-          <p:nvPr>
-            <p:ph sz="quarter" idx="4"/>
-          </p:nvPr>
-        </p:nvSpPr>
-        <p:spPr/>
-        <p:txBody>
-          <a:bodyPr/>
-          <a:lstStyle/>
-          <a:p>
-            <a:endParaRPr lang="ru-RU"/>
-          </a:p>
-        </p:txBody>
-      </p:sp>
+      </p:pic>
     </p:spTree>
     <p:extLst>
       <p:ext uri="{BB962C8B-B14F-4D97-AF65-F5344CB8AC3E}">
@@ -6574,7 +6850,13 @@
       </p:grpSpPr>
       <p:sp>
         <p:nvSpPr>
-          <p:cNvPr id="2" name="Заголовок 1"/>
+          <p:cNvPr id="2" name="Заголовок 1">
+            <a:extLst>
+              <a:ext uri="{FF2B5EF4-FFF2-40B4-BE49-F238E27FC236}">
+                <a16:creationId xmlns:a16="http://schemas.microsoft.com/office/drawing/2014/main" id="{E19FE41D-9998-4A42-9FDC-01CD6023A0D1}"/>
+              </a:ext>
+            </a:extLst>
+          </p:cNvPr>
           <p:cNvSpPr>
             <a:spLocks noGrp="1"/>
           </p:cNvSpPr>
@@ -6582,100 +6864,152 @@
             <p:ph type="title"/>
           </p:nvPr>
         </p:nvSpPr>
-        <p:spPr/>
+        <p:spPr>
+          <a:xfrm>
+            <a:off x="809999" y="332656"/>
+            <a:ext cx="7524003" cy="1084982"/>
+          </a:xfrm>
+        </p:spPr>
         <p:txBody>
           <a:bodyPr/>
           <a:lstStyle/>
           <a:p>
             <a:r>
-              <a:rPr lang="ru-RU" dirty="0" smtClean="0"/>
-              <a:t>Тестирование (пользовательское)</a:t>
+              <a:rPr lang="ru-RU" dirty="0"/>
+              <a:t>Интерфейс проекта </a:t>
+            </a:r>
+            <a:r>
+              <a:rPr lang="ru-RU" sz="4000" dirty="0"/>
+              <a:t>(Организации)</a:t>
             </a:r>
             <a:endParaRPr lang="ru-RU" dirty="0"/>
           </a:p>
         </p:txBody>
       </p:sp>
-      <p:sp>
-        <p:nvSpPr>
-          <p:cNvPr id="3" name="Объект 2"/>
-          <p:cNvSpPr>
-            <a:spLocks noGrp="1"/>
-          </p:cNvSpPr>
-          <p:nvPr>
-            <p:ph idx="1"/>
-          </p:nvPr>
-        </p:nvSpPr>
-        <p:spPr/>
-        <p:txBody>
-          <a:bodyPr/>
-          <a:lstStyle/>
-          <a:p>
-            <a:pPr marL="0" indent="0">
-              <a:buNone/>
-            </a:pPr>
-            <a:r>
-              <a:rPr lang="ru-RU" sz="2800" dirty="0"/>
-              <a:t>В процессе пользовательского тестирования осуществлялось:</a:t>
-            </a:r>
-          </a:p>
-          <a:p>
-            <a:pPr lvl="0"/>
-            <a:r>
-              <a:rPr lang="ru-RU" sz="2800" dirty="0"/>
-              <a:t>Функциональное тестирование (</a:t>
-            </a:r>
-            <a:r>
-              <a:rPr lang="ru-RU" sz="2800" dirty="0" err="1"/>
-              <a:t>Functionality</a:t>
-            </a:r>
-            <a:r>
-              <a:rPr lang="ru-RU" sz="2800" dirty="0"/>
-              <a:t> </a:t>
-            </a:r>
-            <a:r>
-              <a:rPr lang="ru-RU" sz="2800" dirty="0" err="1"/>
-              <a:t>testing</a:t>
-            </a:r>
-            <a:r>
-              <a:rPr lang="ru-RU" sz="2800" dirty="0"/>
-              <a:t>)</a:t>
-            </a:r>
-          </a:p>
-          <a:p>
-            <a:pPr lvl="0"/>
-            <a:r>
-              <a:rPr lang="ru-RU" sz="2800" dirty="0"/>
-              <a:t>Тестирования удобства пользования (</a:t>
-            </a:r>
-            <a:r>
-              <a:rPr lang="ru-RU" sz="2800" dirty="0" err="1"/>
-              <a:t>Usability</a:t>
-            </a:r>
-            <a:r>
-              <a:rPr lang="ru-RU" sz="2800" dirty="0"/>
-              <a:t> </a:t>
-            </a:r>
-            <a:r>
-              <a:rPr lang="ru-RU" sz="2800" dirty="0" err="1"/>
-              <a:t>testing</a:t>
-            </a:r>
-            <a:r>
-              <a:rPr lang="ru-RU" sz="2800" dirty="0"/>
-              <a:t>)</a:t>
-            </a:r>
-          </a:p>
-          <a:p>
-            <a:pPr marL="0" indent="0">
-              <a:buNone/>
-            </a:pPr>
-            <a:endParaRPr lang="ru-RU" dirty="0"/>
-          </a:p>
-        </p:txBody>
-      </p:sp>
+      <p:pic>
+        <p:nvPicPr>
+          <p:cNvPr id="10" name="Рисунок 9">
+            <a:extLst>
+              <a:ext uri="{FF2B5EF4-FFF2-40B4-BE49-F238E27FC236}">
+                <a16:creationId xmlns:a16="http://schemas.microsoft.com/office/drawing/2014/main" id="{31727409-04F0-43FB-8219-918EE3F67EFD}"/>
+              </a:ext>
+            </a:extLst>
+          </p:cNvPr>
+          <p:cNvPicPr>
+            <a:picLocks noChangeAspect="1"/>
+          </p:cNvPicPr>
+          <p:nvPr/>
+        </p:nvPicPr>
+        <p:blipFill>
+          <a:blip r:embed="rId2"/>
+          <a:stretch>
+            <a:fillRect/>
+          </a:stretch>
+        </p:blipFill>
+        <p:spPr>
+          <a:xfrm>
+            <a:off x="4716016" y="3140089"/>
+            <a:ext cx="4322628" cy="3385255"/>
+          </a:xfrm>
+          <a:prstGeom prst="rect">
+            <a:avLst/>
+          </a:prstGeom>
+          <a:ln>
+            <a:noFill/>
+          </a:ln>
+          <a:effectLst>
+            <a:outerShdw blurRad="292100" dist="139700" dir="2700000" algn="tl" rotWithShape="0">
+              <a:srgbClr val="333333">
+                <a:alpha val="65000"/>
+              </a:srgbClr>
+            </a:outerShdw>
+          </a:effectLst>
+        </p:spPr>
+      </p:pic>
+      <p:pic>
+        <p:nvPicPr>
+          <p:cNvPr id="12" name="Рисунок 11">
+            <a:extLst>
+              <a:ext uri="{FF2B5EF4-FFF2-40B4-BE49-F238E27FC236}">
+                <a16:creationId xmlns:a16="http://schemas.microsoft.com/office/drawing/2014/main" id="{5B737D1D-0AA7-4D25-A570-2B5C604D9D4B}"/>
+              </a:ext>
+            </a:extLst>
+          </p:cNvPr>
+          <p:cNvPicPr>
+            <a:picLocks noChangeAspect="1"/>
+          </p:cNvPicPr>
+          <p:nvPr/>
+        </p:nvPicPr>
+        <p:blipFill>
+          <a:blip r:embed="rId3"/>
+          <a:stretch>
+            <a:fillRect/>
+          </a:stretch>
+        </p:blipFill>
+        <p:spPr>
+          <a:xfrm>
+            <a:off x="105356" y="3135136"/>
+            <a:ext cx="4322628" cy="3387933"/>
+          </a:xfrm>
+          <a:prstGeom prst="rect">
+            <a:avLst/>
+          </a:prstGeom>
+          <a:ln>
+            <a:noFill/>
+          </a:ln>
+          <a:effectLst>
+            <a:outerShdw blurRad="292100" dist="139700" dir="2700000" algn="tl" rotWithShape="0">
+              <a:srgbClr val="333333">
+                <a:alpha val="65000"/>
+              </a:srgbClr>
+            </a:outerShdw>
+          </a:effectLst>
+        </p:spPr>
+      </p:pic>
+      <p:pic>
+        <p:nvPicPr>
+          <p:cNvPr id="8" name="Рисунок 7">
+            <a:extLst>
+              <a:ext uri="{FF2B5EF4-FFF2-40B4-BE49-F238E27FC236}">
+                <a16:creationId xmlns:a16="http://schemas.microsoft.com/office/drawing/2014/main" id="{289E5489-B5D4-4BFE-BF12-28B84E4ADAF5}"/>
+              </a:ext>
+            </a:extLst>
+          </p:cNvPr>
+          <p:cNvPicPr>
+            <a:picLocks noChangeAspect="1"/>
+          </p:cNvPicPr>
+          <p:nvPr/>
+        </p:nvPicPr>
+        <p:blipFill>
+          <a:blip r:embed="rId4"/>
+          <a:stretch>
+            <a:fillRect/>
+          </a:stretch>
+        </p:blipFill>
+        <p:spPr>
+          <a:xfrm>
+            <a:off x="2339752" y="2420888"/>
+            <a:ext cx="4464496" cy="3499722"/>
+          </a:xfrm>
+          <a:prstGeom prst="rect">
+            <a:avLst/>
+          </a:prstGeom>
+          <a:ln>
+            <a:noFill/>
+          </a:ln>
+          <a:effectLst>
+            <a:outerShdw blurRad="292100" dist="139700" dir="2700000" algn="tl" rotWithShape="0">
+              <a:srgbClr val="333333">
+                <a:alpha val="65000"/>
+              </a:srgbClr>
+            </a:outerShdw>
+          </a:effectLst>
+        </p:spPr>
+      </p:pic>
     </p:spTree>
     <p:extLst>
       <p:ext uri="{BB962C8B-B14F-4D97-AF65-F5344CB8AC3E}">
-        <p14:creationId xmlns:p14="http://schemas.microsoft.com/office/powerpoint/2010/main" val="1853192954"/>
+        <p14:creationId xmlns:p14="http://schemas.microsoft.com/office/powerpoint/2010/main" val="2388315058"/>
       </p:ext>
     </p:extLst>
   </p:cSld>
@@ -6718,113 +7052,99 @@
           <a:lstStyle/>
           <a:p>
             <a:r>
-              <a:rPr lang="ru-RU" dirty="0" smtClean="0"/>
-              <a:t>Тестирование (нагрузочное)</a:t>
-            </a:r>
+              <a:rPr lang="ru-RU" dirty="0"/>
+              <a:t>Тестирование (пользовательское)</a:t>
+            </a:r>
+          </a:p>
+        </p:txBody>
+      </p:sp>
+      <p:sp>
+        <p:nvSpPr>
+          <p:cNvPr id="3" name="Объект 2"/>
+          <p:cNvSpPr>
+            <a:spLocks noGrp="1"/>
+          </p:cNvSpPr>
+          <p:nvPr>
+            <p:ph idx="1"/>
+          </p:nvPr>
+        </p:nvSpPr>
+        <p:spPr/>
+        <p:txBody>
+          <a:bodyPr/>
+          <a:lstStyle/>
+          <a:p>
+            <a:pPr marL="0" indent="0">
+              <a:buNone/>
+            </a:pPr>
+            <a:r>
+              <a:rPr lang="ru-RU" sz="2800" dirty="0"/>
+              <a:t>В процессе пользовательского тестирования осуществлялось:</a:t>
+            </a:r>
+          </a:p>
+          <a:p>
+            <a:pPr lvl="0">
+              <a:buFont typeface="Wingdings" panose="05000000000000000000" pitchFamily="2" charset="2"/>
+              <a:buChar char="q"/>
+            </a:pPr>
+            <a:r>
+              <a:rPr lang="ru-RU" sz="2800" dirty="0"/>
+              <a:t>Функциональное тестирование (</a:t>
+            </a:r>
+            <a:r>
+              <a:rPr lang="ru-RU" sz="2800" dirty="0" err="1"/>
+              <a:t>Functionality</a:t>
+            </a:r>
+            <a:r>
+              <a:rPr lang="ru-RU" sz="2800" dirty="0"/>
+              <a:t> </a:t>
+            </a:r>
+            <a:r>
+              <a:rPr lang="ru-RU" sz="2800" dirty="0" err="1"/>
+              <a:t>testing</a:t>
+            </a:r>
+            <a:r>
+              <a:rPr lang="ru-RU" sz="2800" dirty="0"/>
+              <a:t>)</a:t>
+            </a:r>
+          </a:p>
+          <a:p>
+            <a:pPr lvl="0">
+              <a:buFont typeface="Wingdings" panose="05000000000000000000" pitchFamily="2" charset="2"/>
+              <a:buChar char="q"/>
+            </a:pPr>
+            <a:r>
+              <a:rPr lang="ru-RU" sz="2800" dirty="0"/>
+              <a:t>Тестирования удобства пользования (</a:t>
+            </a:r>
+            <a:r>
+              <a:rPr lang="ru-RU" sz="2800" dirty="0" err="1"/>
+              <a:t>Usability</a:t>
+            </a:r>
+            <a:r>
+              <a:rPr lang="ru-RU" sz="2800" dirty="0"/>
+              <a:t> </a:t>
+            </a:r>
+            <a:r>
+              <a:rPr lang="ru-RU" sz="2800" dirty="0" err="1"/>
+              <a:t>testing</a:t>
+            </a:r>
+            <a:r>
+              <a:rPr lang="ru-RU" sz="2800" dirty="0"/>
+              <a:t>)</a:t>
+            </a:r>
+          </a:p>
+          <a:p>
+            <a:pPr marL="0" indent="0">
+              <a:buNone/>
+            </a:pPr>
             <a:endParaRPr lang="ru-RU" dirty="0"/>
-          </a:p>
-        </p:txBody>
-      </p:sp>
-      <p:sp>
-        <p:nvSpPr>
-          <p:cNvPr id="3" name="Объект 2"/>
-          <p:cNvSpPr>
-            <a:spLocks noGrp="1"/>
-          </p:cNvSpPr>
-          <p:nvPr>
-            <p:ph idx="1"/>
-          </p:nvPr>
-        </p:nvSpPr>
-        <p:spPr>
-          <a:xfrm>
-            <a:off x="809997" y="2222286"/>
-            <a:ext cx="7524003" cy="4015025"/>
-          </a:xfrm>
-        </p:spPr>
-        <p:txBody>
-          <a:bodyPr>
-            <a:normAutofit/>
-          </a:bodyPr>
-          <a:lstStyle/>
-          <a:p>
-            <a:pPr marL="0" indent="0">
-              <a:buNone/>
-            </a:pPr>
-            <a:r>
-              <a:rPr lang="ru-RU" sz="2400" dirty="0"/>
-              <a:t>Нагрузочное тестирование проведено с помощью приложения </a:t>
-            </a:r>
-            <a:r>
-              <a:rPr lang="ru-RU" sz="2400" dirty="0" err="1"/>
-              <a:t>Apache</a:t>
-            </a:r>
-            <a:r>
-              <a:rPr lang="ru-RU" sz="2400" dirty="0"/>
-              <a:t> J</a:t>
-            </a:r>
-            <a:r>
-              <a:rPr lang="en-US" sz="2400" dirty="0"/>
-              <a:t>m</a:t>
-            </a:r>
-            <a:r>
-              <a:rPr lang="ru-RU" sz="2400" dirty="0" err="1"/>
-              <a:t>eter</a:t>
-            </a:r>
-            <a:r>
-              <a:rPr lang="ru-RU" sz="2400" dirty="0"/>
-              <a:t>. </a:t>
-            </a:r>
-            <a:endParaRPr lang="ru-RU" sz="2400" dirty="0" smtClean="0"/>
-          </a:p>
-          <a:p>
-            <a:pPr marL="0" indent="0">
-              <a:buNone/>
-            </a:pPr>
-            <a:endParaRPr lang="ru-RU" sz="2400" dirty="0" smtClean="0"/>
-          </a:p>
-          <a:p>
-            <a:pPr lvl="0"/>
-            <a:r>
-              <a:rPr lang="ru-RU" sz="2400" dirty="0"/>
-              <a:t>Было сделано 6000 запросов </a:t>
-            </a:r>
-            <a:r>
-              <a:rPr lang="ru-RU" sz="2400" dirty="0" smtClean="0"/>
-              <a:t>по </a:t>
-            </a:r>
-            <a:r>
-              <a:rPr lang="ru-RU" sz="2400" dirty="0"/>
-              <a:t>указанному адресу </a:t>
-            </a:r>
-          </a:p>
-          <a:p>
-            <a:pPr lvl="0"/>
-            <a:r>
-              <a:rPr lang="ru-RU" sz="2400" dirty="0" smtClean="0"/>
-              <a:t>Среднее время ответа составило 0.065  секунды</a:t>
-            </a:r>
-          </a:p>
-          <a:p>
-            <a:pPr lvl="0"/>
-            <a:r>
-              <a:rPr lang="ru-RU" sz="2400" dirty="0" smtClean="0"/>
-              <a:t>количество </a:t>
-            </a:r>
-            <a:r>
-              <a:rPr lang="ru-RU" sz="2400" dirty="0"/>
-              <a:t>ошибок в процентах, которые вернул сервер (0.05</a:t>
-            </a:r>
-            <a:r>
-              <a:rPr lang="ru-RU" sz="2400" dirty="0" smtClean="0"/>
-              <a:t>%)</a:t>
-            </a:r>
           </a:p>
         </p:txBody>
       </p:sp>
     </p:spTree>
     <p:extLst>
       <p:ext uri="{BB962C8B-B14F-4D97-AF65-F5344CB8AC3E}">
-        <p14:creationId xmlns:p14="http://schemas.microsoft.com/office/powerpoint/2010/main" val="2263056011"/>
+        <p14:creationId xmlns:p14="http://schemas.microsoft.com/office/powerpoint/2010/main" val="1853192954"/>
       </p:ext>
     </p:extLst>
   </p:cSld>
@@ -6837,7 +7157,7 @@
 <file path=ppt/theme/theme1.xml><?xml version="1.0" encoding="utf-8"?>
 <a:theme xmlns:a="http://schemas.openxmlformats.org/drawingml/2006/main" name="Цитаты">
   <a:themeElements>
-    <a:clrScheme name="Цитаты">
+    <a:clrScheme name="Другая 2">
       <a:dk1>
         <a:sysClr val="windowText" lastClr="000000"/>
       </a:dk1>
@@ -6845,34 +7165,34 @@
         <a:sysClr val="window" lastClr="FFFFFF"/>
       </a:lt1>
       <a:dk2>
-        <a:srgbClr val="212121"/>
+        <a:srgbClr val="17406D"/>
       </a:dk2>
       <a:lt2>
-        <a:srgbClr val="636363"/>
+        <a:srgbClr val="DBEFF9"/>
       </a:lt2>
       <a:accent1>
-        <a:srgbClr val="00C6BB"/>
+        <a:srgbClr val="176DEA"/>
       </a:accent1>
       <a:accent2>
-        <a:srgbClr val="6FEBA0"/>
+        <a:srgbClr val="009DD9"/>
       </a:accent2>
       <a:accent3>
-        <a:srgbClr val="B6DF5E"/>
+        <a:srgbClr val="0BD0D9"/>
       </a:accent3>
       <a:accent4>
-        <a:srgbClr val="EFB251"/>
+        <a:srgbClr val="10CF9B"/>
       </a:accent4>
       <a:accent5>
-        <a:srgbClr val="EF755F"/>
+        <a:srgbClr val="7CCA62"/>
       </a:accent5>
       <a:accent6>
-        <a:srgbClr val="ED515C"/>
+        <a:srgbClr val="A5C249"/>
       </a:accent6>
       <a:hlink>
-        <a:srgbClr val="8F8F8F"/>
+        <a:srgbClr val="F49100"/>
       </a:hlink>
       <a:folHlink>
-        <a:srgbClr val="A5A5A5"/>
+        <a:srgbClr val="85DFD0"/>
       </a:folHlink>
     </a:clrScheme>
     <a:fontScheme name="Цитаты">
@@ -7065,7 +7385,7 @@
   <a:extraClrSchemeLst/>
   <a:extLst>
     <a:ext uri="{05A4C25C-085E-4340-85A3-A5531E510DB2}">
-      <thm15:themeFamily xmlns="" xmlns:thm15="http://schemas.microsoft.com/office/thememl/2012/main" name="Quotable" id="{39EC5628-30ED-4578-ACD8-9820EDB8E15A}" vid="{6F3559E9-1A4C-49D8-94D4-F41003531C49}"/>
+      <thm15:themeFamily xmlns:thm15="http://schemas.microsoft.com/office/thememl/2012/main" name="Quotable" id="{39EC5628-30ED-4578-ACD8-9820EDB8E15A}" vid="{6F3559E9-1A4C-49D8-94D4-F41003531C49}"/>
     </a:ext>
   </a:extLst>
 </a:theme>
